--- a/Opp Project.pptx
+++ b/Opp Project.pptx
@@ -2,7 +2,7 @@
 <file path=ppt/presentation.xml><?xml version="1.0" encoding="utf-8"?>
 <p:presentation xmlns:a="http://schemas.openxmlformats.org/drawingml/2006/main" xmlns:r="http://schemas.openxmlformats.org/officeDocument/2006/relationships" xmlns:p="http://schemas.openxmlformats.org/presentationml/2006/main" autoCompressPictures="0">
   <p:sldMasterIdLst>
-    <p:sldMasterId id="2147483648" r:id="rId1"/>
+    <p:sldMasterId id="2147483761" r:id="rId1"/>
   </p:sldMasterIdLst>
   <p:sldIdLst>
     <p:sldId id="256" r:id="rId2"/>
@@ -17,6 +17,8 @@
     <p:sldId id="265" r:id="rId11"/>
     <p:sldId id="266" r:id="rId12"/>
     <p:sldId id="267" r:id="rId13"/>
+    <p:sldId id="268" r:id="rId14"/>
+    <p:sldId id="269" r:id="rId15"/>
   </p:sldIdLst>
   <p:sldSz cx="12192000" cy="6858000"/>
   <p:notesSz cx="6858000" cy="9144000"/>
@@ -115,6 +117,11 @@
       </a:defRPr>
     </a:lvl9pPr>
   </p:defaultTextStyle>
+  <p:extLst>
+    <p:ext uri="{EFAFB233-063F-42B5-8137-9DF3F51BA10A}">
+      <p15:sldGuideLst xmlns:p15="http://schemas.microsoft.com/office/powerpoint/2012/main"/>
+    </p:ext>
+  </p:extLst>
 </p:presentation>
 </file>
 
@@ -722,8 +729,8 @@
           </a:lstStyle>
           <a:p>
             <a:fld id="{F7AFFB9B-9FB8-469E-96F9-4D32314110B6}" type="datetimeFigureOut">
-              <a:rPr lang="en-US" dirty="0"/>
-              <a:t>2/27/2023</a:t>
+              <a:rPr lang="en-US" smtClean="0"/>
+              <a:t>2/28/2023</a:t>
             </a:fld>
             <a:endParaRPr lang="en-US" dirty="0"/>
           </a:p>
@@ -789,7 +796,7 @@
           </a:lstStyle>
           <a:p>
             <a:fld id="{6D22F896-40B5-4ADD-8801-0D06FADFA095}" type="slidenum">
-              <a:rPr lang="en-US" dirty="0"/>
+              <a:rPr lang="en-US" smtClean="0"/>
               <a:pPr/>
               <a:t>‹#›</a:t>
             </a:fld>
@@ -840,6 +847,11 @@
         </p:style>
       </p:sp>
     </p:spTree>
+    <p:extLst>
+      <p:ext uri="{BB962C8B-B14F-4D97-AF65-F5344CB8AC3E}">
+        <p14:creationId xmlns:p14="http://schemas.microsoft.com/office/powerpoint/2010/main" val="1231445385"/>
+      </p:ext>
+    </p:extLst>
   </p:cSld>
   <p:clrMapOvr>
     <a:masterClrMapping/>
@@ -1029,7 +1041,7 @@
             <a:pPr lvl="0"/>
             <a:r>
               <a:rPr lang="en-US"/>
-              <a:t>Click to edit Master text styles</a:t>
+              <a:t>Edit Master text styles</a:t>
             </a:r>
           </a:p>
         </p:txBody>
@@ -1049,9 +1061,9 @@
           <a:bodyPr/>
           <a:lstStyle/>
           <a:p>
-            <a:fld id="{341D2AC3-6A0B-4169-B1EA-E3AE8B351BDD}" type="datetimeFigureOut">
-              <a:rPr lang="en-US" dirty="0"/>
-              <a:t>2/27/2023</a:t>
+            <a:fld id="{C35BB1C6-BF8F-4481-8AB2-603A1C8A906A}" type="datetimeFigureOut">
+              <a:rPr lang="en-US" smtClean="0"/>
+              <a:t>2/28/2023</a:t>
             </a:fld>
             <a:endParaRPr lang="en-US" dirty="0"/>
           </a:p>
@@ -1092,7 +1104,8 @@
           <a:lstStyle/>
           <a:p>
             <a:fld id="{6D22F896-40B5-4ADD-8801-0D06FADFA095}" type="slidenum">
-              <a:rPr lang="en-US" dirty="0"/>
+              <a:rPr lang="en-US" smtClean="0"/>
+              <a:pPr/>
               <a:t>‹#›</a:t>
             </a:fld>
             <a:endParaRPr lang="en-US" dirty="0"/>
@@ -1100,10 +1113,16 @@
         </p:txBody>
       </p:sp>
     </p:spTree>
+    <p:extLst>
+      <p:ext uri="{BB962C8B-B14F-4D97-AF65-F5344CB8AC3E}">
+        <p14:creationId xmlns:p14="http://schemas.microsoft.com/office/powerpoint/2010/main" val="1909362960"/>
+      </p:ext>
+    </p:extLst>
   </p:cSld>
   <p:clrMapOvr>
     <a:masterClrMapping/>
   </p:clrMapOvr>
+  <p:hf sldNum="0" hdr="0" ftr="0" dt="0"/>
 </p:sldLayout>
 </file>
 
@@ -1220,7 +1239,7 @@
             <a:pPr lvl="0"/>
             <a:r>
               <a:rPr lang="en-US"/>
-              <a:t>Click to edit Master text styles</a:t>
+              <a:t>Edit Master text styles</a:t>
             </a:r>
           </a:p>
         </p:txBody>
@@ -1240,9 +1259,9 @@
           <a:bodyPr/>
           <a:lstStyle/>
           <a:p>
-            <a:fld id="{DD4B9363-8B87-41B7-9F8E-64519CBB8F34}" type="datetimeFigureOut">
-              <a:rPr lang="en-US" dirty="0"/>
-              <a:t>2/27/2023</a:t>
+            <a:fld id="{C35BB1C6-BF8F-4481-8AB2-603A1C8A906A}" type="datetimeFigureOut">
+              <a:rPr lang="en-US" smtClean="0"/>
+              <a:t>2/28/2023</a:t>
             </a:fld>
             <a:endParaRPr lang="en-US" dirty="0"/>
           </a:p>
@@ -1283,7 +1302,8 @@
           <a:lstStyle/>
           <a:p>
             <a:fld id="{6D22F896-40B5-4ADD-8801-0D06FADFA095}" type="slidenum">
-              <a:rPr lang="en-US" dirty="0"/>
+              <a:rPr lang="en-US" smtClean="0"/>
+              <a:pPr/>
               <a:t>‹#›</a:t>
             </a:fld>
             <a:endParaRPr lang="en-US" dirty="0"/>
@@ -1291,10 +1311,16 @@
         </p:txBody>
       </p:sp>
     </p:spTree>
+    <p:extLst>
+      <p:ext uri="{BB962C8B-B14F-4D97-AF65-F5344CB8AC3E}">
+        <p14:creationId xmlns:p14="http://schemas.microsoft.com/office/powerpoint/2010/main" val="1884038379"/>
+      </p:ext>
+    </p:extLst>
   </p:cSld>
   <p:clrMapOvr>
     <a:masterClrMapping/>
   </p:clrMapOvr>
+  <p:hf sldNum="0" hdr="0" ftr="0" dt="0"/>
 </p:sldLayout>
 </file>
 
@@ -1418,7 +1444,7 @@
             <a:pPr lvl="0"/>
             <a:r>
               <a:rPr lang="en-US"/>
-              <a:t>Click to edit Master text styles</a:t>
+              <a:t>Edit Master text styles</a:t>
             </a:r>
           </a:p>
         </p:txBody>
@@ -1485,7 +1511,7 @@
             <a:pPr lvl="0"/>
             <a:r>
               <a:rPr lang="en-US"/>
-              <a:t>Click to edit Master text styles</a:t>
+              <a:t>Edit Master text styles</a:t>
             </a:r>
           </a:p>
         </p:txBody>
@@ -1505,9 +1531,9 @@
           <a:bodyPr/>
           <a:lstStyle/>
           <a:p>
-            <a:fld id="{EAEF5746-5284-4951-9F37-7AE924EDBCB7}" type="datetimeFigureOut">
-              <a:rPr lang="en-US" dirty="0"/>
-              <a:t>2/27/2023</a:t>
+            <a:fld id="{C35BB1C6-BF8F-4481-8AB2-603A1C8A906A}" type="datetimeFigureOut">
+              <a:rPr lang="en-US" smtClean="0"/>
+              <a:t>2/28/2023</a:t>
             </a:fld>
             <a:endParaRPr lang="en-US" dirty="0"/>
           </a:p>
@@ -1548,7 +1574,8 @@
           <a:lstStyle/>
           <a:p>
             <a:fld id="{6D22F896-40B5-4ADD-8801-0D06FADFA095}" type="slidenum">
-              <a:rPr lang="en-US" dirty="0"/>
+              <a:rPr lang="en-US" smtClean="0"/>
+              <a:pPr/>
               <a:t>‹#›</a:t>
             </a:fld>
             <a:endParaRPr lang="en-US" dirty="0"/>
@@ -1788,10 +1815,16 @@
         </p:txBody>
       </p:sp>
     </p:spTree>
+    <p:extLst>
+      <p:ext uri="{BB962C8B-B14F-4D97-AF65-F5344CB8AC3E}">
+        <p14:creationId xmlns:p14="http://schemas.microsoft.com/office/powerpoint/2010/main" val="3337126534"/>
+      </p:ext>
+    </p:extLst>
   </p:cSld>
   <p:clrMapOvr>
     <a:masterClrMapping/>
   </p:clrMapOvr>
+  <p:hf sldNum="0" hdr="0" ftr="0" dt="0"/>
 </p:sldLayout>
 </file>
 
@@ -1908,7 +1941,7 @@
             <a:pPr lvl="0"/>
             <a:r>
               <a:rPr lang="en-US"/>
-              <a:t>Click to edit Master text styles</a:t>
+              <a:t>Edit Master text styles</a:t>
             </a:r>
           </a:p>
         </p:txBody>
@@ -1928,9 +1961,9 @@
           <a:bodyPr/>
           <a:lstStyle/>
           <a:p>
-            <a:fld id="{02398B29-7265-4A65-A2A4-6703C057B7C1}" type="datetimeFigureOut">
-              <a:rPr lang="en-US" dirty="0"/>
-              <a:t>2/27/2023</a:t>
+            <a:fld id="{C35BB1C6-BF8F-4481-8AB2-603A1C8A906A}" type="datetimeFigureOut">
+              <a:rPr lang="en-US" smtClean="0"/>
+              <a:t>2/28/2023</a:t>
             </a:fld>
             <a:endParaRPr lang="en-US" dirty="0"/>
           </a:p>
@@ -1971,7 +2004,8 @@
           <a:lstStyle/>
           <a:p>
             <a:fld id="{6D22F896-40B5-4ADD-8801-0D06FADFA095}" type="slidenum">
-              <a:rPr lang="en-US" dirty="0"/>
+              <a:rPr lang="en-US" smtClean="0"/>
+              <a:pPr/>
               <a:t>‹#›</a:t>
             </a:fld>
             <a:endParaRPr lang="en-US" dirty="0"/>
@@ -1979,10 +2013,16 @@
         </p:txBody>
       </p:sp>
     </p:spTree>
+    <p:extLst>
+      <p:ext uri="{BB962C8B-B14F-4D97-AF65-F5344CB8AC3E}">
+        <p14:creationId xmlns:p14="http://schemas.microsoft.com/office/powerpoint/2010/main" val="517803982"/>
+      </p:ext>
+    </p:extLst>
   </p:cSld>
   <p:clrMapOvr>
     <a:masterClrMapping/>
   </p:clrMapOvr>
+  <p:hf sldNum="0" hdr="0" ftr="0" dt="0"/>
 </p:sldLayout>
 </file>
 
@@ -2104,7 +2144,7 @@
             <a:pPr lvl="0"/>
             <a:r>
               <a:rPr lang="en-US"/>
-              <a:t>Click to edit Master text styles</a:t>
+              <a:t>Edit Master text styles</a:t>
             </a:r>
           </a:p>
         </p:txBody>
@@ -2171,7 +2211,7 @@
             <a:pPr lvl="0"/>
             <a:r>
               <a:rPr lang="en-US"/>
-              <a:t>Click to edit Master text styles</a:t>
+              <a:t>Edit Master text styles</a:t>
             </a:r>
           </a:p>
         </p:txBody>
@@ -2245,7 +2285,7 @@
             <a:pPr lvl="0"/>
             <a:r>
               <a:rPr lang="en-US"/>
-              <a:t>Click to edit Master text styles</a:t>
+              <a:t>Edit Master text styles</a:t>
             </a:r>
           </a:p>
         </p:txBody>
@@ -2312,7 +2352,7 @@
             <a:pPr lvl="0"/>
             <a:r>
               <a:rPr lang="en-US"/>
-              <a:t>Click to edit Master text styles</a:t>
+              <a:t>Edit Master text styles</a:t>
             </a:r>
           </a:p>
         </p:txBody>
@@ -2386,7 +2426,7 @@
             <a:pPr lvl="0"/>
             <a:r>
               <a:rPr lang="en-US"/>
-              <a:t>Click to edit Master text styles</a:t>
+              <a:t>Edit Master text styles</a:t>
             </a:r>
           </a:p>
         </p:txBody>
@@ -2453,7 +2493,7 @@
             <a:pPr lvl="0"/>
             <a:r>
               <a:rPr lang="en-US"/>
-              <a:t>Click to edit Master text styles</a:t>
+              <a:t>Edit Master text styles</a:t>
             </a:r>
           </a:p>
         </p:txBody>
@@ -2474,8 +2514,8 @@
           <a:lstStyle/>
           <a:p>
             <a:fld id="{28FBA082-94DF-4C4B-A041-6624924AB0A8}" type="datetimeFigureOut">
-              <a:rPr lang="en-US" dirty="0"/>
-              <a:t>2/27/2023</a:t>
+              <a:rPr lang="en-US" smtClean="0"/>
+              <a:t>2/28/2023</a:t>
             </a:fld>
             <a:endParaRPr lang="en-US" dirty="0"/>
           </a:p>
@@ -2516,7 +2556,7 @@
           <a:lstStyle/>
           <a:p>
             <a:fld id="{6D22F896-40B5-4ADD-8801-0D06FADFA095}" type="slidenum">
-              <a:rPr lang="en-US" dirty="0"/>
+              <a:rPr lang="en-US" smtClean="0"/>
               <a:t>‹#›</a:t>
             </a:fld>
             <a:endParaRPr lang="en-US" dirty="0"/>
@@ -2524,6 +2564,11 @@
         </p:txBody>
       </p:sp>
     </p:spTree>
+    <p:extLst>
+      <p:ext uri="{BB962C8B-B14F-4D97-AF65-F5344CB8AC3E}">
+        <p14:creationId xmlns:p14="http://schemas.microsoft.com/office/powerpoint/2010/main" val="486599085"/>
+      </p:ext>
+    </p:extLst>
   </p:cSld>
   <p:clrMapOvr>
     <a:masterClrMapping/>
@@ -2649,7 +2694,7 @@
             <a:pPr lvl="0"/>
             <a:r>
               <a:rPr lang="en-US"/>
-              <a:t>Click to edit Master text styles</a:t>
+              <a:t>Edit Master text styles</a:t>
             </a:r>
           </a:p>
         </p:txBody>
@@ -2796,7 +2841,7 @@
             <a:pPr lvl="0"/>
             <a:r>
               <a:rPr lang="en-US"/>
-              <a:t>Click to edit Master text styles</a:t>
+              <a:t>Edit Master text styles</a:t>
             </a:r>
           </a:p>
         </p:txBody>
@@ -2870,7 +2915,7 @@
             <a:pPr lvl="0"/>
             <a:r>
               <a:rPr lang="en-US"/>
-              <a:t>Click to edit Master text styles</a:t>
+              <a:t>Edit Master text styles</a:t>
             </a:r>
           </a:p>
         </p:txBody>
@@ -3017,7 +3062,7 @@
             <a:pPr lvl="0"/>
             <a:r>
               <a:rPr lang="en-US"/>
-              <a:t>Click to edit Master text styles</a:t>
+              <a:t>Edit Master text styles</a:t>
             </a:r>
           </a:p>
         </p:txBody>
@@ -3091,7 +3136,7 @@
             <a:pPr lvl="0"/>
             <a:r>
               <a:rPr lang="en-US"/>
-              <a:t>Click to edit Master text styles</a:t>
+              <a:t>Edit Master text styles</a:t>
             </a:r>
           </a:p>
         </p:txBody>
@@ -3238,7 +3283,7 @@
             <a:pPr lvl="0"/>
             <a:r>
               <a:rPr lang="en-US"/>
-              <a:t>Click to edit Master text styles</a:t>
+              <a:t>Edit Master text styles</a:t>
             </a:r>
           </a:p>
         </p:txBody>
@@ -3258,9 +3303,9 @@
           <a:bodyPr/>
           <a:lstStyle/>
           <a:p>
-            <a:fld id="{B27686C4-3AB5-4E0C-86CA-FB108C350AA9}" type="datetimeFigureOut">
-              <a:rPr lang="en-US" dirty="0"/>
-              <a:t>2/27/2023</a:t>
+            <a:fld id="{C35BB1C6-BF8F-4481-8AB2-603A1C8A906A}" type="datetimeFigureOut">
+              <a:rPr lang="en-US" smtClean="0"/>
+              <a:t>2/28/2023</a:t>
             </a:fld>
             <a:endParaRPr lang="en-US" dirty="0"/>
           </a:p>
@@ -3301,7 +3346,8 @@
           <a:lstStyle/>
           <a:p>
             <a:fld id="{6D22F896-40B5-4ADD-8801-0D06FADFA095}" type="slidenum">
-              <a:rPr lang="en-US" dirty="0"/>
+              <a:rPr lang="en-US" smtClean="0"/>
+              <a:pPr/>
               <a:t>‹#›</a:t>
             </a:fld>
             <a:endParaRPr lang="en-US" dirty="0"/>
@@ -3309,10 +3355,16 @@
         </p:txBody>
       </p:sp>
     </p:spTree>
+    <p:extLst>
+      <p:ext uri="{BB962C8B-B14F-4D97-AF65-F5344CB8AC3E}">
+        <p14:creationId xmlns:p14="http://schemas.microsoft.com/office/powerpoint/2010/main" val="1294113284"/>
+      </p:ext>
+    </p:extLst>
   </p:cSld>
   <p:clrMapOvr>
     <a:masterClrMapping/>
   </p:clrMapOvr>
+  <p:hf sldNum="0" hdr="0" ftr="0" dt="0"/>
 </p:sldLayout>
 </file>
 
@@ -3383,7 +3435,7 @@
             <a:pPr lvl="0"/>
             <a:r>
               <a:rPr lang="en-US"/>
-              <a:t>Click to edit Master text styles</a:t>
+              <a:t>Edit Master text styles</a:t>
             </a:r>
           </a:p>
           <a:p>
@@ -3432,9 +3484,9 @@
           <a:bodyPr/>
           <a:lstStyle/>
           <a:p>
-            <a:fld id="{49FF1211-4E0C-4AB3-B04F-585959BDAFE8}" type="datetimeFigureOut">
-              <a:rPr lang="en-US" dirty="0"/>
-              <a:t>2/27/2023</a:t>
+            <a:fld id="{C35BB1C6-BF8F-4481-8AB2-603A1C8A906A}" type="datetimeFigureOut">
+              <a:rPr lang="en-US" smtClean="0"/>
+              <a:t>2/28/2023</a:t>
             </a:fld>
             <a:endParaRPr lang="en-US" dirty="0"/>
           </a:p>
@@ -3475,7 +3527,8 @@
           <a:lstStyle/>
           <a:p>
             <a:fld id="{6D22F896-40B5-4ADD-8801-0D06FADFA095}" type="slidenum">
-              <a:rPr lang="en-US" dirty="0"/>
+              <a:rPr lang="en-US" smtClean="0"/>
+              <a:pPr/>
               <a:t>‹#›</a:t>
             </a:fld>
             <a:endParaRPr lang="en-US" dirty="0"/>
@@ -3483,10 +3536,16 @@
         </p:txBody>
       </p:sp>
     </p:spTree>
+    <p:extLst>
+      <p:ext uri="{BB962C8B-B14F-4D97-AF65-F5344CB8AC3E}">
+        <p14:creationId xmlns:p14="http://schemas.microsoft.com/office/powerpoint/2010/main" val="3078662941"/>
+      </p:ext>
+    </p:extLst>
   </p:cSld>
   <p:clrMapOvr>
     <a:masterClrMapping/>
   </p:clrMapOvr>
+  <p:hf sldNum="0" hdr="0" ftr="0" dt="0"/>
 </p:sldLayout>
 </file>
 
@@ -3562,7 +3621,7 @@
             <a:pPr lvl="0"/>
             <a:r>
               <a:rPr lang="en-US"/>
-              <a:t>Click to edit Master text styles</a:t>
+              <a:t>Edit Master text styles</a:t>
             </a:r>
           </a:p>
           <a:p>
@@ -3611,9 +3670,9 @@
           <a:bodyPr/>
           <a:lstStyle/>
           <a:p>
-            <a:fld id="{28BDECAF-D3BE-4069-9C78-642ECCD01477}" type="datetimeFigureOut">
-              <a:rPr lang="en-US" dirty="0"/>
-              <a:t>2/27/2023</a:t>
+            <a:fld id="{C35BB1C6-BF8F-4481-8AB2-603A1C8A906A}" type="datetimeFigureOut">
+              <a:rPr lang="en-US" smtClean="0"/>
+              <a:t>2/28/2023</a:t>
             </a:fld>
             <a:endParaRPr lang="en-US" dirty="0"/>
           </a:p>
@@ -3654,7 +3713,8 @@
           <a:lstStyle/>
           <a:p>
             <a:fld id="{6D22F896-40B5-4ADD-8801-0D06FADFA095}" type="slidenum">
-              <a:rPr lang="en-US" dirty="0"/>
+              <a:rPr lang="en-US" smtClean="0"/>
+              <a:pPr/>
               <a:t>‹#›</a:t>
             </a:fld>
             <a:endParaRPr lang="en-US" dirty="0"/>
@@ -3662,10 +3722,16 @@
         </p:txBody>
       </p:sp>
     </p:spTree>
+    <p:extLst>
+      <p:ext uri="{BB962C8B-B14F-4D97-AF65-F5344CB8AC3E}">
+        <p14:creationId xmlns:p14="http://schemas.microsoft.com/office/powerpoint/2010/main" val="1260062725"/>
+      </p:ext>
+    </p:extLst>
   </p:cSld>
   <p:clrMapOvr>
     <a:masterClrMapping/>
   </p:clrMapOvr>
+  <p:hf sldNum="0" hdr="0" ftr="0" dt="0"/>
 </p:sldLayout>
 </file>
 
@@ -3732,7 +3798,7 @@
             <a:pPr lvl="0"/>
             <a:r>
               <a:rPr lang="en-US"/>
-              <a:t>Click to edit Master text styles</a:t>
+              <a:t>Edit Master text styles</a:t>
             </a:r>
           </a:p>
           <a:p>
@@ -3781,9 +3847,9 @@
           <a:bodyPr/>
           <a:lstStyle/>
           <a:p>
-            <a:fld id="{8EFBDC27-E420-4878-9EE6-7B9656D6442A}" type="datetimeFigureOut">
-              <a:rPr lang="en-US" dirty="0"/>
-              <a:t>2/27/2023</a:t>
+            <a:fld id="{C35BB1C6-BF8F-4481-8AB2-603A1C8A906A}" type="datetimeFigureOut">
+              <a:rPr lang="en-US" smtClean="0"/>
+              <a:t>2/28/2023</a:t>
             </a:fld>
             <a:endParaRPr lang="en-US" dirty="0"/>
           </a:p>
@@ -3824,7 +3890,8 @@
           <a:lstStyle/>
           <a:p>
             <a:fld id="{6D22F896-40B5-4ADD-8801-0D06FADFA095}" type="slidenum">
-              <a:rPr lang="en-US" dirty="0"/>
+              <a:rPr lang="en-US" smtClean="0"/>
+              <a:pPr/>
               <a:t>‹#›</a:t>
             </a:fld>
             <a:endParaRPr lang="en-US" dirty="0"/>
@@ -3832,10 +3899,16 @@
         </p:txBody>
       </p:sp>
     </p:spTree>
+    <p:extLst>
+      <p:ext uri="{BB962C8B-B14F-4D97-AF65-F5344CB8AC3E}">
+        <p14:creationId xmlns:p14="http://schemas.microsoft.com/office/powerpoint/2010/main" val="1872016282"/>
+      </p:ext>
+    </p:extLst>
   </p:cSld>
   <p:clrMapOvr>
     <a:masterClrMapping/>
   </p:clrMapOvr>
+  <p:hf sldNum="0" hdr="0" ftr="0" dt="0"/>
 </p:sldLayout>
 </file>
 
@@ -4006,7 +4079,7 @@
             <a:pPr lvl="0"/>
             <a:r>
               <a:rPr lang="en-US"/>
-              <a:t>Click to edit Master text styles</a:t>
+              <a:t>Edit Master text styles</a:t>
             </a:r>
           </a:p>
         </p:txBody>
@@ -4027,8 +4100,8 @@
           <a:lstStyle/>
           <a:p>
             <a:fld id="{0F7F47CF-67C9-420C-80A5-E2069FF0C2DF}" type="datetimeFigureOut">
-              <a:rPr lang="en-US" dirty="0"/>
-              <a:t>2/27/2023</a:t>
+              <a:rPr lang="en-US" smtClean="0"/>
+              <a:t>2/28/2023</a:t>
             </a:fld>
             <a:endParaRPr lang="en-US" dirty="0"/>
           </a:p>
@@ -4069,7 +4142,7 @@
           <a:lstStyle/>
           <a:p>
             <a:fld id="{6D22F896-40B5-4ADD-8801-0D06FADFA095}" type="slidenum">
-              <a:rPr lang="en-US" dirty="0"/>
+              <a:rPr lang="en-US" smtClean="0"/>
               <a:t>‹#›</a:t>
             </a:fld>
             <a:endParaRPr lang="en-US" dirty="0"/>
@@ -4077,6 +4150,11 @@
         </p:txBody>
       </p:sp>
     </p:spTree>
+    <p:extLst>
+      <p:ext uri="{BB962C8B-B14F-4D97-AF65-F5344CB8AC3E}">
+        <p14:creationId xmlns:p14="http://schemas.microsoft.com/office/powerpoint/2010/main" val="1061128476"/>
+      </p:ext>
+    </p:extLst>
   </p:cSld>
   <p:clrMapOvr>
     <a:masterClrMapping/>
@@ -4152,7 +4230,7 @@
             <a:pPr lvl="0"/>
             <a:r>
               <a:rPr lang="en-US"/>
-              <a:t>Click to edit Master text styles</a:t>
+              <a:t>Edit Master text styles</a:t>
             </a:r>
           </a:p>
           <a:p>
@@ -4209,7 +4287,7 @@
             <a:pPr lvl="0"/>
             <a:r>
               <a:rPr lang="en-US"/>
-              <a:t>Click to edit Master text styles</a:t>
+              <a:t>Edit Master text styles</a:t>
             </a:r>
           </a:p>
           <a:p>
@@ -4258,9 +4336,9 @@
           <a:bodyPr/>
           <a:lstStyle/>
           <a:p>
-            <a:fld id="{AE22DC73-F065-42F5-A9F2-D90B2E42A0B3}" type="datetimeFigureOut">
-              <a:rPr lang="en-US" dirty="0"/>
-              <a:t>2/27/2023</a:t>
+            <a:fld id="{C35BB1C6-BF8F-4481-8AB2-603A1C8A906A}" type="datetimeFigureOut">
+              <a:rPr lang="en-US" smtClean="0"/>
+              <a:t>2/28/2023</a:t>
             </a:fld>
             <a:endParaRPr lang="en-US" dirty="0"/>
           </a:p>
@@ -4301,7 +4379,8 @@
           <a:lstStyle/>
           <a:p>
             <a:fld id="{6D22F896-40B5-4ADD-8801-0D06FADFA095}" type="slidenum">
-              <a:rPr lang="en-US" dirty="0"/>
+              <a:rPr lang="en-US" smtClean="0"/>
+              <a:pPr/>
               <a:t>‹#›</a:t>
             </a:fld>
             <a:endParaRPr lang="en-US" dirty="0"/>
@@ -4309,10 +4388,16 @@
         </p:txBody>
       </p:sp>
     </p:spTree>
+    <p:extLst>
+      <p:ext uri="{BB962C8B-B14F-4D97-AF65-F5344CB8AC3E}">
+        <p14:creationId xmlns:p14="http://schemas.microsoft.com/office/powerpoint/2010/main" val="1537939456"/>
+      </p:ext>
+    </p:extLst>
   </p:cSld>
   <p:clrMapOvr>
     <a:masterClrMapping/>
   </p:clrMapOvr>
+  <p:hf sldNum="0" hdr="0" ftr="0" dt="0"/>
 </p:sldLayout>
 </file>
 
@@ -4430,7 +4515,7 @@
             <a:pPr lvl="0"/>
             <a:r>
               <a:rPr lang="en-US"/>
-              <a:t>Click to edit Master text styles</a:t>
+              <a:t>Edit Master text styles</a:t>
             </a:r>
           </a:p>
         </p:txBody>
@@ -4458,7 +4543,7 @@
             <a:pPr lvl="0"/>
             <a:r>
               <a:rPr lang="en-US"/>
-              <a:t>Click to edit Master text styles</a:t>
+              <a:t>Edit Master text styles</a:t>
             </a:r>
           </a:p>
           <a:p>
@@ -4561,7 +4646,7 @@
             <a:pPr lvl="0"/>
             <a:r>
               <a:rPr lang="en-US"/>
-              <a:t>Click to edit Master text styles</a:t>
+              <a:t>Edit Master text styles</a:t>
             </a:r>
           </a:p>
         </p:txBody>
@@ -4589,7 +4674,7 @@
             <a:pPr lvl="0"/>
             <a:r>
               <a:rPr lang="en-US"/>
-              <a:t>Click to edit Master text styles</a:t>
+              <a:t>Edit Master text styles</a:t>
             </a:r>
           </a:p>
           <a:p>
@@ -4638,9 +4723,9 @@
           <a:bodyPr/>
           <a:lstStyle/>
           <a:p>
-            <a:fld id="{76BEA702-9B29-41CC-9BCC-3DF8A0D379FE}" type="datetimeFigureOut">
-              <a:rPr lang="en-US" dirty="0"/>
-              <a:t>2/27/2023</a:t>
+            <a:fld id="{C35BB1C6-BF8F-4481-8AB2-603A1C8A906A}" type="datetimeFigureOut">
+              <a:rPr lang="en-US" smtClean="0"/>
+              <a:t>2/28/2023</a:t>
             </a:fld>
             <a:endParaRPr lang="en-US" dirty="0"/>
           </a:p>
@@ -4681,7 +4766,8 @@
           <a:lstStyle/>
           <a:p>
             <a:fld id="{6D22F896-40B5-4ADD-8801-0D06FADFA095}" type="slidenum">
-              <a:rPr lang="en-US" dirty="0"/>
+              <a:rPr lang="en-US" smtClean="0"/>
+              <a:pPr/>
               <a:t>‹#›</a:t>
             </a:fld>
             <a:endParaRPr lang="en-US" dirty="0"/>
@@ -4689,10 +4775,16 @@
         </p:txBody>
       </p:sp>
     </p:spTree>
+    <p:extLst>
+      <p:ext uri="{BB962C8B-B14F-4D97-AF65-F5344CB8AC3E}">
+        <p14:creationId xmlns:p14="http://schemas.microsoft.com/office/powerpoint/2010/main" val="1723493351"/>
+      </p:ext>
+    </p:extLst>
   </p:cSld>
   <p:clrMapOvr>
     <a:masterClrMapping/>
   </p:clrMapOvr>
+  <p:hf sldNum="0" hdr="0" ftr="0" dt="0"/>
 </p:sldLayout>
 </file>
 
@@ -4752,8 +4844,8 @@
           <a:lstStyle/>
           <a:p>
             <a:fld id="{097649AC-CB8F-4FF1-9A34-5861C74DD0A7}" type="datetimeFigureOut">
-              <a:rPr lang="en-US" dirty="0"/>
-              <a:t>2/27/2023</a:t>
+              <a:rPr lang="en-US" smtClean="0"/>
+              <a:t>2/28/2023</a:t>
             </a:fld>
             <a:endParaRPr lang="en-US" dirty="0"/>
           </a:p>
@@ -4794,7 +4886,7 @@
           <a:lstStyle/>
           <a:p>
             <a:fld id="{6D22F896-40B5-4ADD-8801-0D06FADFA095}" type="slidenum">
-              <a:rPr lang="en-US" dirty="0"/>
+              <a:rPr lang="en-US" smtClean="0"/>
               <a:t>‹#›</a:t>
             </a:fld>
             <a:endParaRPr lang="en-US" dirty="0"/>
@@ -4802,6 +4894,11 @@
         </p:txBody>
       </p:sp>
     </p:spTree>
+    <p:extLst>
+      <p:ext uri="{BB962C8B-B14F-4D97-AF65-F5344CB8AC3E}">
+        <p14:creationId xmlns:p14="http://schemas.microsoft.com/office/powerpoint/2010/main" val="3749866993"/>
+      </p:ext>
+    </p:extLst>
   </p:cSld>
   <p:clrMapOvr>
     <a:masterClrMapping/>
@@ -4842,8 +4939,8 @@
           <a:lstStyle/>
           <a:p>
             <a:fld id="{3EC5CECA-2D3A-4680-9B49-752200DE467C}" type="datetimeFigureOut">
-              <a:rPr lang="en-US" dirty="0"/>
-              <a:t>2/27/2023</a:t>
+              <a:rPr lang="en-US" smtClean="0"/>
+              <a:t>2/28/2023</a:t>
             </a:fld>
             <a:endParaRPr lang="en-US" dirty="0"/>
           </a:p>
@@ -4884,7 +4981,7 @@
           <a:lstStyle/>
           <a:p>
             <a:fld id="{6D22F896-40B5-4ADD-8801-0D06FADFA095}" type="slidenum">
-              <a:rPr lang="en-US" dirty="0"/>
+              <a:rPr lang="en-US" smtClean="0"/>
               <a:t>‹#›</a:t>
             </a:fld>
             <a:endParaRPr lang="en-US" dirty="0"/>
@@ -4892,6 +4989,11 @@
         </p:txBody>
       </p:sp>
     </p:spTree>
+    <p:extLst>
+      <p:ext uri="{BB962C8B-B14F-4D97-AF65-F5344CB8AC3E}">
+        <p14:creationId xmlns:p14="http://schemas.microsoft.com/office/powerpoint/2010/main" val="2876290922"/>
+      </p:ext>
+    </p:extLst>
   </p:cSld>
   <p:clrMapOvr>
     <a:masterClrMapping/>
@@ -4973,7 +5075,7 @@
             <a:pPr lvl="0"/>
             <a:r>
               <a:rPr lang="en-US"/>
-              <a:t>Click to edit Master text styles</a:t>
+              <a:t>Edit Master text styles</a:t>
             </a:r>
           </a:p>
           <a:p>
@@ -5069,7 +5171,7 @@
             <a:pPr lvl="0"/>
             <a:r>
               <a:rPr lang="en-US"/>
-              <a:t>Click to edit Master text styles</a:t>
+              <a:t>Edit Master text styles</a:t>
             </a:r>
           </a:p>
         </p:txBody>
@@ -5089,9 +5191,9 @@
           <a:bodyPr/>
           <a:lstStyle/>
           <a:p>
-            <a:fld id="{50C3BFE2-83B7-4B0A-B9D3-AB28331082B3}" type="datetimeFigureOut">
-              <a:rPr lang="en-US" dirty="0"/>
-              <a:t>2/27/2023</a:t>
+            <a:fld id="{C35BB1C6-BF8F-4481-8AB2-603A1C8A906A}" type="datetimeFigureOut">
+              <a:rPr lang="en-US" smtClean="0"/>
+              <a:t>2/28/2023</a:t>
             </a:fld>
             <a:endParaRPr lang="en-US" dirty="0"/>
           </a:p>
@@ -5132,7 +5234,8 @@
           <a:lstStyle/>
           <a:p>
             <a:fld id="{6D22F896-40B5-4ADD-8801-0D06FADFA095}" type="slidenum">
-              <a:rPr lang="en-US" dirty="0"/>
+              <a:rPr lang="en-US" smtClean="0"/>
+              <a:pPr/>
               <a:t>‹#›</a:t>
             </a:fld>
             <a:endParaRPr lang="en-US" dirty="0"/>
@@ -5140,10 +5243,16 @@
         </p:txBody>
       </p:sp>
     </p:spTree>
+    <p:extLst>
+      <p:ext uri="{BB962C8B-B14F-4D97-AF65-F5344CB8AC3E}">
+        <p14:creationId xmlns:p14="http://schemas.microsoft.com/office/powerpoint/2010/main" val="1181589368"/>
+      </p:ext>
+    </p:extLst>
   </p:cSld>
   <p:clrMapOvr>
     <a:masterClrMapping/>
   </p:clrMapOvr>
+  <p:hf sldNum="0" hdr="0" ftr="0" dt="0"/>
 </p:sldLayout>
 </file>
 
@@ -5333,7 +5442,7 @@
             <a:pPr lvl="0"/>
             <a:r>
               <a:rPr lang="en-US"/>
-              <a:t>Click to edit Master text styles</a:t>
+              <a:t>Edit Master text styles</a:t>
             </a:r>
           </a:p>
         </p:txBody>
@@ -5353,9 +5462,9 @@
           <a:bodyPr/>
           <a:lstStyle/>
           <a:p>
-            <a:fld id="{12EF78E3-FDA3-4D28-AAA2-0B81F349A39D}" type="datetimeFigureOut">
-              <a:rPr lang="en-US" dirty="0"/>
-              <a:t>2/27/2023</a:t>
+            <a:fld id="{C35BB1C6-BF8F-4481-8AB2-603A1C8A906A}" type="datetimeFigureOut">
+              <a:rPr lang="en-US" smtClean="0"/>
+              <a:t>2/28/2023</a:t>
             </a:fld>
             <a:endParaRPr lang="en-US" dirty="0"/>
           </a:p>
@@ -5396,7 +5505,8 @@
           <a:lstStyle/>
           <a:p>
             <a:fld id="{6D22F896-40B5-4ADD-8801-0D06FADFA095}" type="slidenum">
-              <a:rPr lang="en-US" dirty="0"/>
+              <a:rPr lang="en-US" smtClean="0"/>
+              <a:pPr/>
               <a:t>‹#›</a:t>
             </a:fld>
             <a:endParaRPr lang="en-US" dirty="0"/>
@@ -5404,10 +5514,16 @@
         </p:txBody>
       </p:sp>
     </p:spTree>
+    <p:extLst>
+      <p:ext uri="{BB962C8B-B14F-4D97-AF65-F5344CB8AC3E}">
+        <p14:creationId xmlns:p14="http://schemas.microsoft.com/office/powerpoint/2010/main" val="2899027852"/>
+      </p:ext>
+    </p:extLst>
   </p:cSld>
   <p:clrMapOvr>
     <a:masterClrMapping/>
   </p:clrMapOvr>
+  <p:hf sldNum="0" hdr="0" ftr="0" dt="0"/>
 </p:sldLayout>
 </file>
 
@@ -5684,7 +5800,7 @@
             <a:pPr lvl="0"/>
             <a:r>
               <a:rPr lang="en-US"/>
-              <a:t>Click to edit Master text styles</a:t>
+              <a:t>Edit Master text styles</a:t>
             </a:r>
           </a:p>
           <a:p>
@@ -5752,8 +5868,8 @@
           </a:lstStyle>
           <a:p>
             <a:fld id="{C35BB1C6-BF8F-4481-8AB2-603A1C8A906A}" type="datetimeFigureOut">
-              <a:rPr lang="en-US" dirty="0"/>
-              <a:t>2/27/2023</a:t>
+              <a:rPr lang="en-US" smtClean="0"/>
+              <a:t>2/28/2023</a:t>
             </a:fld>
             <a:endParaRPr lang="en-US" dirty="0"/>
           </a:p>
@@ -5830,7 +5946,7 @@
           </a:lstStyle>
           <a:p>
             <a:fld id="{6D22F896-40B5-4ADD-8801-0D06FADFA095}" type="slidenum">
-              <a:rPr lang="en-US" dirty="0"/>
+              <a:rPr lang="en-US" smtClean="0"/>
               <a:pPr/>
               <a:t>‹#›</a:t>
             </a:fld>
@@ -5839,26 +5955,31 @@
         </p:txBody>
       </p:sp>
     </p:spTree>
+    <p:extLst>
+      <p:ext uri="{BB962C8B-B14F-4D97-AF65-F5344CB8AC3E}">
+        <p14:creationId xmlns:p14="http://schemas.microsoft.com/office/powerpoint/2010/main" val="3244388756"/>
+      </p:ext>
+    </p:extLst>
   </p:cSld>
   <p:clrMap bg1="lt1" tx1="dk1" bg2="lt2" tx2="dk2" accent1="accent1" accent2="accent2" accent3="accent3" accent4="accent4" accent5="accent5" accent6="accent6" hlink="hlink" folHlink="folHlink"/>
   <p:sldLayoutIdLst>
-    <p:sldLayoutId id="2147483649" r:id="rId1"/>
-    <p:sldLayoutId id="2147483650" r:id="rId2"/>
-    <p:sldLayoutId id="2147483651" r:id="rId3"/>
-    <p:sldLayoutId id="2147483652" r:id="rId4"/>
-    <p:sldLayoutId id="2147483653" r:id="rId5"/>
-    <p:sldLayoutId id="2147483654" r:id="rId6"/>
-    <p:sldLayoutId id="2147483655" r:id="rId7"/>
-    <p:sldLayoutId id="2147483656" r:id="rId8"/>
-    <p:sldLayoutId id="2147483657" r:id="rId9"/>
-    <p:sldLayoutId id="2147483660" r:id="rId10"/>
-    <p:sldLayoutId id="2147483661" r:id="rId11"/>
-    <p:sldLayoutId id="2147483666" r:id="rId12"/>
-    <p:sldLayoutId id="2147483663" r:id="rId13"/>
-    <p:sldLayoutId id="2147483667" r:id="rId14"/>
-    <p:sldLayoutId id="2147483668" r:id="rId15"/>
-    <p:sldLayoutId id="2147483658" r:id="rId16"/>
-    <p:sldLayoutId id="2147483659" r:id="rId17"/>
+    <p:sldLayoutId id="2147483762" r:id="rId1"/>
+    <p:sldLayoutId id="2147483763" r:id="rId2"/>
+    <p:sldLayoutId id="2147483764" r:id="rId3"/>
+    <p:sldLayoutId id="2147483765" r:id="rId4"/>
+    <p:sldLayoutId id="2147483766" r:id="rId5"/>
+    <p:sldLayoutId id="2147483767" r:id="rId6"/>
+    <p:sldLayoutId id="2147483768" r:id="rId7"/>
+    <p:sldLayoutId id="2147483769" r:id="rId8"/>
+    <p:sldLayoutId id="2147483770" r:id="rId9"/>
+    <p:sldLayoutId id="2147483771" r:id="rId10"/>
+    <p:sldLayoutId id="2147483772" r:id="rId11"/>
+    <p:sldLayoutId id="2147483773" r:id="rId12"/>
+    <p:sldLayoutId id="2147483774" r:id="rId13"/>
+    <p:sldLayoutId id="2147483775" r:id="rId14"/>
+    <p:sldLayoutId id="2147483776" r:id="rId15"/>
+    <p:sldLayoutId id="2147483777" r:id="rId16"/>
+    <p:sldLayoutId id="2147483778" r:id="rId17"/>
   </p:sldLayoutIdLst>
   <p:hf sldNum="0" hdr="0" ftr="0" dt="0"/>
   <p:txStyles>
@@ -6264,7 +6385,10 @@
           <a:bodyPr/>
           <a:lstStyle/>
           <a:p>
-            <a:endParaRPr lang="en-US" dirty="0"/>
+            <a:r>
+              <a:rPr lang="en-US" dirty="0"/>
+              <a:t>Sir usama bin Shakeel  </a:t>
+            </a:r>
           </a:p>
         </p:txBody>
       </p:sp>
@@ -6278,6 +6402,154 @@
   <p:clrMapOvr>
     <a:masterClrMapping/>
   </p:clrMapOvr>
+  <p:timing>
+    <p:tnLst>
+      <p:par>
+        <p:cTn id="1" dur="indefinite" restart="never" nodeType="tmRoot">
+          <p:childTnLst>
+            <p:seq concurrent="1" nextAc="seek">
+              <p:cTn id="2" dur="indefinite" nodeType="mainSeq">
+                <p:childTnLst>
+                  <p:par>
+                    <p:cTn id="3" fill="hold">
+                      <p:stCondLst>
+                        <p:cond delay="indefinite"/>
+                      </p:stCondLst>
+                      <p:childTnLst>
+                        <p:par>
+                          <p:cTn id="4" fill="hold">
+                            <p:stCondLst>
+                              <p:cond delay="0"/>
+                            </p:stCondLst>
+                            <p:childTnLst>
+                              <p:par>
+                                <p:cTn id="5" presetID="42" presetClass="entr" presetSubtype="0" fill="hold" grpId="0" nodeType="clickEffect">
+                                  <p:stCondLst>
+                                    <p:cond delay="0"/>
+                                  </p:stCondLst>
+                                  <p:childTnLst>
+                                    <p:set>
+                                      <p:cBhvr>
+                                        <p:cTn id="6" dur="1" fill="hold">
+                                          <p:stCondLst>
+                                            <p:cond delay="0"/>
+                                          </p:stCondLst>
+                                        </p:cTn>
+                                        <p:tgtEl>
+                                          <p:spTgt spid="3">
+                                            <p:txEl>
+                                              <p:pRg st="0" end="0"/>
+                                            </p:txEl>
+                                          </p:spTgt>
+                                        </p:tgtEl>
+                                        <p:attrNameLst>
+                                          <p:attrName>style.visibility</p:attrName>
+                                        </p:attrNameLst>
+                                      </p:cBhvr>
+                                      <p:to>
+                                        <p:strVal val="visible"/>
+                                      </p:to>
+                                    </p:set>
+                                    <p:animEffect transition="in" filter="fade">
+                                      <p:cBhvr>
+                                        <p:cTn id="7" dur="1000"/>
+                                        <p:tgtEl>
+                                          <p:spTgt spid="3">
+                                            <p:txEl>
+                                              <p:pRg st="0" end="0"/>
+                                            </p:txEl>
+                                          </p:spTgt>
+                                        </p:tgtEl>
+                                      </p:cBhvr>
+                                    </p:animEffect>
+                                    <p:anim calcmode="lin" valueType="num">
+                                      <p:cBhvr>
+                                        <p:cTn id="8" dur="1000" fill="hold"/>
+                                        <p:tgtEl>
+                                          <p:spTgt spid="3">
+                                            <p:txEl>
+                                              <p:pRg st="0" end="0"/>
+                                            </p:txEl>
+                                          </p:spTgt>
+                                        </p:tgtEl>
+                                        <p:attrNameLst>
+                                          <p:attrName>ppt_x</p:attrName>
+                                        </p:attrNameLst>
+                                      </p:cBhvr>
+                                      <p:tavLst>
+                                        <p:tav tm="0">
+                                          <p:val>
+                                            <p:strVal val="#ppt_x"/>
+                                          </p:val>
+                                        </p:tav>
+                                        <p:tav tm="100000">
+                                          <p:val>
+                                            <p:strVal val="#ppt_x"/>
+                                          </p:val>
+                                        </p:tav>
+                                      </p:tavLst>
+                                    </p:anim>
+                                    <p:anim calcmode="lin" valueType="num">
+                                      <p:cBhvr>
+                                        <p:cTn id="9" dur="1000" fill="hold"/>
+                                        <p:tgtEl>
+                                          <p:spTgt spid="3">
+                                            <p:txEl>
+                                              <p:pRg st="0" end="0"/>
+                                            </p:txEl>
+                                          </p:spTgt>
+                                        </p:tgtEl>
+                                        <p:attrNameLst>
+                                          <p:attrName>ppt_y</p:attrName>
+                                        </p:attrNameLst>
+                                      </p:cBhvr>
+                                      <p:tavLst>
+                                        <p:tav tm="0">
+                                          <p:val>
+                                            <p:strVal val="#ppt_y+.1"/>
+                                          </p:val>
+                                        </p:tav>
+                                        <p:tav tm="100000">
+                                          <p:val>
+                                            <p:strVal val="#ppt_y"/>
+                                          </p:val>
+                                        </p:tav>
+                                      </p:tavLst>
+                                    </p:anim>
+                                  </p:childTnLst>
+                                </p:cTn>
+                              </p:par>
+                            </p:childTnLst>
+                          </p:cTn>
+                        </p:par>
+                      </p:childTnLst>
+                    </p:cTn>
+                  </p:par>
+                </p:childTnLst>
+              </p:cTn>
+              <p:prevCondLst>
+                <p:cond evt="onPrev" delay="0">
+                  <p:tgtEl>
+                    <p:sldTgt/>
+                  </p:tgtEl>
+                </p:cond>
+              </p:prevCondLst>
+              <p:nextCondLst>
+                <p:cond evt="onNext" delay="0">
+                  <p:tgtEl>
+                    <p:sldTgt/>
+                  </p:tgtEl>
+                </p:cond>
+              </p:nextCondLst>
+            </p:seq>
+          </p:childTnLst>
+        </p:cTn>
+      </p:par>
+    </p:tnLst>
+    <p:bldLst>
+      <p:bldP spid="3" grpId="0" build="p"/>
+    </p:bldLst>
+  </p:timing>
 </p:sld>
 </file>
 
@@ -6506,6 +6778,42 @@
           </a:p>
         </p:txBody>
       </p:sp>
+      <p:pic>
+        <p:nvPicPr>
+          <p:cNvPr id="4" name="Picture 3">
+            <a:extLst>
+              <a:ext uri="{FF2B5EF4-FFF2-40B4-BE49-F238E27FC236}">
+                <a16:creationId xmlns:a16="http://schemas.microsoft.com/office/drawing/2014/main" id="{455EAFC5-606F-47E0-852E-6B6C0D761ACB}"/>
+              </a:ext>
+            </a:extLst>
+          </p:cNvPr>
+          <p:cNvPicPr>
+            <a:picLocks noChangeAspect="1"/>
+          </p:cNvPicPr>
+          <p:nvPr/>
+        </p:nvPicPr>
+        <p:blipFill>
+          <a:blip r:embed="rId2">
+            <a:extLst>
+              <a:ext uri="{837473B0-CC2E-450A-ABE3-18F120FF3D39}">
+                <a1611:picAttrSrcUrl xmlns:a1611="http://schemas.microsoft.com/office/drawing/2016/11/main" r:id="rId3"/>
+              </a:ext>
+            </a:extLst>
+          </a:blip>
+          <a:stretch>
+            <a:fillRect/>
+          </a:stretch>
+        </p:blipFill>
+        <p:spPr>
+          <a:xfrm>
+            <a:off x="4977139" y="2033885"/>
+            <a:ext cx="5929399" cy="3367204"/>
+          </a:xfrm>
+          <a:prstGeom prst="rect">
+            <a:avLst/>
+          </a:prstGeom>
+        </p:spPr>
+      </p:pic>
     </p:spTree>
     <p:extLst>
       <p:ext uri="{BB962C8B-B14F-4D97-AF65-F5344CB8AC3E}">
@@ -6549,10 +6857,15 @@
             <a:spLocks noGrp="1"/>
           </p:cNvSpPr>
           <p:nvPr>
-            <p:ph type="title"/>
-          </p:nvPr>
-        </p:nvSpPr>
-        <p:spPr/>
+            <p:ph type="title" idx="4294967295"/>
+          </p:nvPr>
+        </p:nvSpPr>
+        <p:spPr>
+          <a:xfrm>
+            <a:off x="0" y="685800"/>
+            <a:ext cx="10396538" cy="1152525"/>
+          </a:xfrm>
+        </p:spPr>
         <p:txBody>
           <a:bodyPr/>
           <a:lstStyle/>
@@ -6578,10 +6891,15 @@
             <a:spLocks noGrp="1"/>
           </p:cNvSpPr>
           <p:nvPr>
-            <p:ph sz="quarter" idx="13"/>
-          </p:nvPr>
-        </p:nvSpPr>
-        <p:spPr/>
+            <p:ph sz="quarter" idx="4294967295"/>
+          </p:nvPr>
+        </p:nvSpPr>
+        <p:spPr>
+          <a:xfrm>
+            <a:off x="0" y="2063750"/>
+            <a:ext cx="10394950" cy="3311525"/>
+          </a:xfrm>
+        </p:spPr>
         <p:txBody>
           <a:bodyPr>
             <a:normAutofit/>
@@ -6610,6 +6928,90 @@
               <a:rPr lang="en-US" sz="2400" dirty="0"/>
               <a:t>Departure time</a:t>
             </a:r>
+          </a:p>
+        </p:txBody>
+      </p:sp>
+      <p:pic>
+        <p:nvPicPr>
+          <p:cNvPr id="7" name="Picture 6">
+            <a:extLst>
+              <a:ext uri="{FF2B5EF4-FFF2-40B4-BE49-F238E27FC236}">
+                <a16:creationId xmlns:a16="http://schemas.microsoft.com/office/drawing/2014/main" id="{122BE2CB-96B7-43D0-B89C-C4900785B681}"/>
+              </a:ext>
+            </a:extLst>
+          </p:cNvPr>
+          <p:cNvPicPr>
+            <a:picLocks noChangeAspect="1"/>
+          </p:cNvPicPr>
+          <p:nvPr/>
+        </p:nvPicPr>
+        <p:blipFill>
+          <a:blip r:embed="rId2">
+            <a:extLst>
+              <a:ext uri="{837473B0-CC2E-450A-ABE3-18F120FF3D39}">
+                <a1611:picAttrSrcUrl xmlns:a1611="http://schemas.microsoft.com/office/drawing/2016/11/main" r:id="rId3"/>
+              </a:ext>
+            </a:extLst>
+          </a:blip>
+          <a:stretch>
+            <a:fillRect/>
+          </a:stretch>
+        </p:blipFill>
+        <p:spPr>
+          <a:xfrm>
+            <a:off x="5459894" y="1724347"/>
+            <a:ext cx="5751445" cy="3836169"/>
+          </a:xfrm>
+          <a:prstGeom prst="rect">
+            <a:avLst/>
+          </a:prstGeom>
+        </p:spPr>
+      </p:pic>
+      <p:sp>
+        <p:nvSpPr>
+          <p:cNvPr id="8" name="TextBox 7">
+            <a:extLst>
+              <a:ext uri="{FF2B5EF4-FFF2-40B4-BE49-F238E27FC236}">
+                <a16:creationId xmlns:a16="http://schemas.microsoft.com/office/drawing/2014/main" id="{75ECAC95-0FE9-4AC9-A37E-5A9644E77EC5}"/>
+              </a:ext>
+            </a:extLst>
+          </p:cNvPr>
+          <p:cNvSpPr txBox="1"/>
+          <p:nvPr/>
+        </p:nvSpPr>
+        <p:spPr>
+          <a:xfrm>
+            <a:off x="5459894" y="6627168"/>
+            <a:ext cx="5751445" cy="230832"/>
+          </a:xfrm>
+          <a:prstGeom prst="rect">
+            <a:avLst/>
+          </a:prstGeom>
+          <a:noFill/>
+        </p:spPr>
+        <p:txBody>
+          <a:bodyPr wrap="square" rtlCol="0">
+            <a:spAutoFit/>
+          </a:bodyPr>
+          <a:lstStyle/>
+          <a:p>
+            <a:r>
+              <a:rPr lang="en-US" sz="900">
+                <a:hlinkClick r:id="rId3" tooltip="https://www.flickr.com/photos/jmsmith000/4088871694"/>
+              </a:rPr>
+              <a:t>This Photo</a:t>
+            </a:r>
+            <a:r>
+              <a:rPr lang="en-US" sz="900"/>
+              <a:t> by Unknown Author is licensed under </a:t>
+            </a:r>
+            <a:r>
+              <a:rPr lang="en-US" sz="900">
+                <a:hlinkClick r:id="rId4" tooltip="https://creativecommons.org/licenses/by-nd/3.0/"/>
+              </a:rPr>
+              <a:t>CC BY-ND</a:t>
+            </a:r>
+            <a:endParaRPr lang="en-US" sz="900"/>
           </a:p>
         </p:txBody>
       </p:sp>
@@ -6617,6 +7019,423 @@
     <p:extLst>
       <p:ext uri="{BB962C8B-B14F-4D97-AF65-F5344CB8AC3E}">
         <p14:creationId xmlns:p14="http://schemas.microsoft.com/office/powerpoint/2010/main" val="3304949384"/>
+      </p:ext>
+    </p:extLst>
+  </p:cSld>
+  <p:clrMapOvr>
+    <a:masterClrMapping/>
+  </p:clrMapOvr>
+</p:sld>
+</file>
+
+<file path=ppt/slides/slide13.xml><?xml version="1.0" encoding="utf-8"?>
+<p:sld xmlns:a="http://schemas.openxmlformats.org/drawingml/2006/main" xmlns:r="http://schemas.openxmlformats.org/officeDocument/2006/relationships" xmlns:p="http://schemas.openxmlformats.org/presentationml/2006/main">
+  <p:cSld>
+    <p:spTree>
+      <p:nvGrpSpPr>
+        <p:cNvPr id="1" name=""/>
+        <p:cNvGrpSpPr/>
+        <p:nvPr/>
+      </p:nvGrpSpPr>
+      <p:grpSpPr>
+        <a:xfrm>
+          <a:off x="0" y="0"/>
+          <a:ext cx="0" cy="0"/>
+          <a:chOff x="0" y="0"/>
+          <a:chExt cx="0" cy="0"/>
+        </a:xfrm>
+      </p:grpSpPr>
+      <p:sp>
+        <p:nvSpPr>
+          <p:cNvPr id="2" name="Title 1">
+            <a:extLst>
+              <a:ext uri="{FF2B5EF4-FFF2-40B4-BE49-F238E27FC236}">
+                <a16:creationId xmlns:a16="http://schemas.microsoft.com/office/drawing/2014/main" id="{2BC4740C-1897-460B-BA70-6323AC3BC574}"/>
+              </a:ext>
+            </a:extLst>
+          </p:cNvPr>
+          <p:cNvSpPr>
+            <a:spLocks noGrp="1"/>
+          </p:cNvSpPr>
+          <p:nvPr>
+            <p:ph type="title"/>
+          </p:nvPr>
+        </p:nvSpPr>
+        <p:spPr/>
+        <p:txBody>
+          <a:bodyPr/>
+          <a:lstStyle/>
+          <a:p>
+            <a:r>
+              <a:rPr lang="en-US" dirty="0"/>
+              <a:t>TASK LIST</a:t>
+            </a:r>
+          </a:p>
+        </p:txBody>
+      </p:sp>
+      <p:sp>
+        <p:nvSpPr>
+          <p:cNvPr id="3" name="Text Placeholder 2">
+            <a:extLst>
+              <a:ext uri="{FF2B5EF4-FFF2-40B4-BE49-F238E27FC236}">
+                <a16:creationId xmlns:a16="http://schemas.microsoft.com/office/drawing/2014/main" id="{8308E74B-60B0-4429-92E4-DF1FDE73AE09}"/>
+              </a:ext>
+            </a:extLst>
+          </p:cNvPr>
+          <p:cNvSpPr>
+            <a:spLocks noGrp="1"/>
+          </p:cNvSpPr>
+          <p:nvPr>
+            <p:ph type="body" idx="1"/>
+          </p:nvPr>
+        </p:nvSpPr>
+        <p:spPr/>
+        <p:txBody>
+          <a:bodyPr/>
+          <a:lstStyle/>
+          <a:p>
+            <a:r>
+              <a:rPr lang="en-US" dirty="0"/>
+              <a:t>Syeda Maham Batool</a:t>
+            </a:r>
+          </a:p>
+        </p:txBody>
+      </p:sp>
+      <p:sp>
+        <p:nvSpPr>
+          <p:cNvPr id="4" name="Text Placeholder 3">
+            <a:extLst>
+              <a:ext uri="{FF2B5EF4-FFF2-40B4-BE49-F238E27FC236}">
+                <a16:creationId xmlns:a16="http://schemas.microsoft.com/office/drawing/2014/main" id="{353DEF00-359D-4A02-A02D-2C68427C629A}"/>
+              </a:ext>
+            </a:extLst>
+          </p:cNvPr>
+          <p:cNvSpPr>
+            <a:spLocks noGrp="1"/>
+          </p:cNvSpPr>
+          <p:nvPr>
+            <p:ph type="body" sz="half" idx="15"/>
+          </p:nvPr>
+        </p:nvSpPr>
+        <p:spPr/>
+        <p:txBody>
+          <a:bodyPr>
+            <a:normAutofit/>
+          </a:bodyPr>
+          <a:lstStyle/>
+          <a:p>
+            <a:pPr marL="285750" lvl="0" indent="-285750" algn="l">
+              <a:buFont typeface="Arial" panose="020B0604020202020204" pitchFamily="34" charset="0"/>
+              <a:buChar char="•"/>
+            </a:pPr>
+            <a:r>
+              <a:rPr lang="en-US" sz="1800" dirty="0"/>
+              <a:t>Formation of desire classes according to program.</a:t>
+            </a:r>
+          </a:p>
+          <a:p>
+            <a:pPr marL="285750" lvl="0" indent="-285750" algn="l">
+              <a:buFont typeface="Arial" panose="020B0604020202020204" pitchFamily="34" charset="0"/>
+              <a:buChar char="•"/>
+            </a:pPr>
+            <a:r>
+              <a:rPr lang="en-US" sz="1800" dirty="0"/>
+              <a:t>Inheritance among classes</a:t>
+            </a:r>
+          </a:p>
+          <a:p>
+            <a:pPr marL="285750" lvl="0" indent="-285750" algn="l">
+              <a:buFont typeface="Arial" panose="020B0604020202020204" pitchFamily="34" charset="0"/>
+              <a:buChar char="•"/>
+            </a:pPr>
+            <a:r>
+              <a:rPr lang="en-US" sz="1800" dirty="0"/>
+              <a:t>Operator overloading</a:t>
+            </a:r>
+          </a:p>
+          <a:p>
+            <a:pPr marL="285750" lvl="0" indent="-285750" algn="l">
+              <a:buFont typeface="Arial" panose="020B0604020202020204" pitchFamily="34" charset="0"/>
+              <a:buChar char="•"/>
+            </a:pPr>
+            <a:r>
+              <a:rPr lang="en-US" sz="1800" dirty="0"/>
+              <a:t>Aggregation</a:t>
+            </a:r>
+          </a:p>
+          <a:p>
+            <a:pPr marL="285750" lvl="0" indent="-285750" algn="l">
+              <a:buFont typeface="Arial" panose="020B0604020202020204" pitchFamily="34" charset="0"/>
+              <a:buChar char="•"/>
+            </a:pPr>
+            <a:r>
+              <a:rPr lang="en-US" sz="1800" dirty="0"/>
+              <a:t>singleton</a:t>
+            </a:r>
+          </a:p>
+          <a:p>
+            <a:endParaRPr lang="en-US" dirty="0"/>
+          </a:p>
+        </p:txBody>
+      </p:sp>
+      <p:sp>
+        <p:nvSpPr>
+          <p:cNvPr id="5" name="Text Placeholder 4">
+            <a:extLst>
+              <a:ext uri="{FF2B5EF4-FFF2-40B4-BE49-F238E27FC236}">
+                <a16:creationId xmlns:a16="http://schemas.microsoft.com/office/drawing/2014/main" id="{3690AE01-6621-405E-BAB2-0FB3AD2BB36B}"/>
+              </a:ext>
+            </a:extLst>
+          </p:cNvPr>
+          <p:cNvSpPr>
+            <a:spLocks noGrp="1"/>
+          </p:cNvSpPr>
+          <p:nvPr>
+            <p:ph type="body" sz="quarter" idx="3"/>
+          </p:nvPr>
+        </p:nvSpPr>
+        <p:spPr/>
+        <p:txBody>
+          <a:bodyPr/>
+          <a:lstStyle/>
+          <a:p>
+            <a:r>
+              <a:rPr lang="en-US" dirty="0"/>
+              <a:t>SYED KIFAYAT UR RAHMAN</a:t>
+            </a:r>
+          </a:p>
+        </p:txBody>
+      </p:sp>
+      <p:sp>
+        <p:nvSpPr>
+          <p:cNvPr id="6" name="Text Placeholder 5">
+            <a:extLst>
+              <a:ext uri="{FF2B5EF4-FFF2-40B4-BE49-F238E27FC236}">
+                <a16:creationId xmlns:a16="http://schemas.microsoft.com/office/drawing/2014/main" id="{1ACB338F-1716-4FAD-8794-6277BB8D0548}"/>
+              </a:ext>
+            </a:extLst>
+          </p:cNvPr>
+          <p:cNvSpPr>
+            <a:spLocks noGrp="1"/>
+          </p:cNvSpPr>
+          <p:nvPr>
+            <p:ph type="body" sz="half" idx="16"/>
+          </p:nvPr>
+        </p:nvSpPr>
+        <p:spPr/>
+        <p:txBody>
+          <a:bodyPr/>
+          <a:lstStyle/>
+          <a:p>
+            <a:pPr marL="285750" lvl="0" indent="-285750" algn="l">
+              <a:buFont typeface="Arial" panose="020B0604020202020204" pitchFamily="34" charset="0"/>
+              <a:buChar char="•"/>
+            </a:pPr>
+            <a:r>
+              <a:rPr lang="en-US" sz="1800" dirty="0"/>
+              <a:t>Formation of classes according to program</a:t>
+            </a:r>
+          </a:p>
+          <a:p>
+            <a:pPr marL="285750" lvl="0" indent="-285750" algn="l">
+              <a:buFont typeface="Arial" panose="020B0604020202020204" pitchFamily="34" charset="0"/>
+              <a:buChar char="•"/>
+            </a:pPr>
+            <a:r>
+              <a:rPr lang="en-US" sz="1800" dirty="0"/>
+              <a:t>Menu driven</a:t>
+            </a:r>
+          </a:p>
+          <a:p>
+            <a:pPr marL="285750" lvl="0" indent="-285750" algn="l">
+              <a:buFont typeface="Arial" panose="020B0604020202020204" pitchFamily="34" charset="0"/>
+              <a:buChar char="•"/>
+            </a:pPr>
+            <a:r>
+              <a:rPr lang="en-US" sz="1800" dirty="0"/>
+              <a:t>Association</a:t>
+            </a:r>
+          </a:p>
+          <a:p>
+            <a:pPr marL="285750" lvl="0" indent="-285750" algn="l">
+              <a:buFont typeface="Arial" panose="020B0604020202020204" pitchFamily="34" charset="0"/>
+              <a:buChar char="•"/>
+            </a:pPr>
+            <a:r>
+              <a:rPr lang="en-US" sz="1800" dirty="0"/>
+              <a:t>Template classes</a:t>
+            </a:r>
+          </a:p>
+          <a:p>
+            <a:pPr marL="285750" indent="-285750">
+              <a:buFont typeface="Arial" panose="020B0604020202020204" pitchFamily="34" charset="0"/>
+              <a:buChar char="•"/>
+            </a:pPr>
+            <a:endParaRPr lang="en-US" dirty="0"/>
+          </a:p>
+        </p:txBody>
+      </p:sp>
+      <p:sp>
+        <p:nvSpPr>
+          <p:cNvPr id="7" name="Text Placeholder 6">
+            <a:extLst>
+              <a:ext uri="{FF2B5EF4-FFF2-40B4-BE49-F238E27FC236}">
+                <a16:creationId xmlns:a16="http://schemas.microsoft.com/office/drawing/2014/main" id="{1A03331B-8BB7-4AEA-8D1A-1FF62ED0B6C9}"/>
+              </a:ext>
+            </a:extLst>
+          </p:cNvPr>
+          <p:cNvSpPr>
+            <a:spLocks noGrp="1"/>
+          </p:cNvSpPr>
+          <p:nvPr>
+            <p:ph type="body" sz="quarter" idx="13"/>
+          </p:nvPr>
+        </p:nvSpPr>
+        <p:spPr/>
+        <p:txBody>
+          <a:bodyPr/>
+          <a:lstStyle/>
+          <a:p>
+            <a:r>
+              <a:rPr lang="en-US" dirty="0"/>
+              <a:t>MURTAZA KHALIC</a:t>
+            </a:r>
+          </a:p>
+        </p:txBody>
+      </p:sp>
+      <p:sp>
+        <p:nvSpPr>
+          <p:cNvPr id="8" name="Text Placeholder 7">
+            <a:extLst>
+              <a:ext uri="{FF2B5EF4-FFF2-40B4-BE49-F238E27FC236}">
+                <a16:creationId xmlns:a16="http://schemas.microsoft.com/office/drawing/2014/main" id="{9E2DACB2-20B8-4123-BE1F-8184574616E6}"/>
+              </a:ext>
+            </a:extLst>
+          </p:cNvPr>
+          <p:cNvSpPr>
+            <a:spLocks noGrp="1"/>
+          </p:cNvSpPr>
+          <p:nvPr>
+            <p:ph type="body" sz="half" idx="17"/>
+          </p:nvPr>
+        </p:nvSpPr>
+        <p:spPr/>
+        <p:txBody>
+          <a:bodyPr/>
+          <a:lstStyle/>
+          <a:p>
+            <a:pPr marL="285750" lvl="0" indent="-285750" algn="l">
+              <a:buFont typeface="Arial" panose="020B0604020202020204" pitchFamily="34" charset="0"/>
+              <a:buChar char="•"/>
+            </a:pPr>
+            <a:r>
+              <a:rPr lang="en-US" sz="1800" dirty="0"/>
+              <a:t>Formation of classes according to program</a:t>
+            </a:r>
+          </a:p>
+          <a:p>
+            <a:pPr marL="285750" lvl="0" indent="-285750" algn="l">
+              <a:buFont typeface="Arial" panose="020B0604020202020204" pitchFamily="34" charset="0"/>
+              <a:buChar char="•"/>
+            </a:pPr>
+            <a:r>
+              <a:rPr lang="en-US" sz="1800" dirty="0"/>
+              <a:t>Composition</a:t>
+            </a:r>
+          </a:p>
+          <a:p>
+            <a:pPr marL="285750" lvl="0" indent="-285750" algn="l">
+              <a:buFont typeface="Arial" panose="020B0604020202020204" pitchFamily="34" charset="0"/>
+              <a:buChar char="•"/>
+            </a:pPr>
+            <a:r>
+              <a:rPr lang="en-US" sz="1800" dirty="0"/>
+              <a:t>Filling</a:t>
+            </a:r>
+          </a:p>
+          <a:p>
+            <a:pPr marL="285750" lvl="0" indent="-285750" algn="l">
+              <a:buFont typeface="Arial" panose="020B0604020202020204" pitchFamily="34" charset="0"/>
+              <a:buChar char="•"/>
+            </a:pPr>
+            <a:r>
+              <a:rPr lang="en-US" sz="1800" dirty="0"/>
+              <a:t>Polymorphism</a:t>
+            </a:r>
+          </a:p>
+          <a:p>
+            <a:pPr marL="285750" indent="-285750">
+              <a:buFont typeface="Arial" panose="020B0604020202020204" pitchFamily="34" charset="0"/>
+              <a:buChar char="•"/>
+            </a:pPr>
+            <a:endParaRPr lang="en-US" dirty="0"/>
+          </a:p>
+        </p:txBody>
+      </p:sp>
+    </p:spTree>
+    <p:extLst>
+      <p:ext uri="{BB962C8B-B14F-4D97-AF65-F5344CB8AC3E}">
+        <p14:creationId xmlns:p14="http://schemas.microsoft.com/office/powerpoint/2010/main" val="1335536784"/>
+      </p:ext>
+    </p:extLst>
+  </p:cSld>
+  <p:clrMapOvr>
+    <a:masterClrMapping/>
+  </p:clrMapOvr>
+</p:sld>
+</file>
+
+<file path=ppt/slides/slide14.xml><?xml version="1.0" encoding="utf-8"?>
+<p:sld xmlns:a="http://schemas.openxmlformats.org/drawingml/2006/main" xmlns:r="http://schemas.openxmlformats.org/officeDocument/2006/relationships" xmlns:p="http://schemas.openxmlformats.org/presentationml/2006/main">
+  <p:cSld>
+    <p:spTree>
+      <p:nvGrpSpPr>
+        <p:cNvPr id="1" name=""/>
+        <p:cNvGrpSpPr/>
+        <p:nvPr/>
+      </p:nvGrpSpPr>
+      <p:grpSpPr>
+        <a:xfrm>
+          <a:off x="0" y="0"/>
+          <a:ext cx="0" cy="0"/>
+          <a:chOff x="0" y="0"/>
+          <a:chExt cx="0" cy="0"/>
+        </a:xfrm>
+      </p:grpSpPr>
+      <p:pic>
+        <p:nvPicPr>
+          <p:cNvPr id="2" name="Picture 1">
+            <a:extLst>
+              <a:ext uri="{FF2B5EF4-FFF2-40B4-BE49-F238E27FC236}">
+                <a16:creationId xmlns:a16="http://schemas.microsoft.com/office/drawing/2014/main" id="{F72E5A53-3021-444A-9072-1687D5133B78}"/>
+              </a:ext>
+            </a:extLst>
+          </p:cNvPr>
+          <p:cNvPicPr>
+            <a:picLocks noChangeAspect="1"/>
+          </p:cNvPicPr>
+          <p:nvPr/>
+        </p:nvPicPr>
+        <p:blipFill>
+          <a:blip r:embed="rId2"/>
+          <a:stretch>
+            <a:fillRect/>
+          </a:stretch>
+        </p:blipFill>
+        <p:spPr>
+          <a:xfrm>
+            <a:off x="1" y="0"/>
+            <a:ext cx="11675164" cy="5642927"/>
+          </a:xfrm>
+          <a:prstGeom prst="rect">
+            <a:avLst/>
+          </a:prstGeom>
+        </p:spPr>
+      </p:pic>
+    </p:spTree>
+    <p:extLst>
+      <p:ext uri="{BB962C8B-B14F-4D97-AF65-F5344CB8AC3E}">
+        <p14:creationId xmlns:p14="http://schemas.microsoft.com/office/powerpoint/2010/main" val="477855888"/>
       </p:ext>
     </p:extLst>
   </p:cSld>
@@ -6693,8 +7512,34 @@
           <a:lstStyle/>
           <a:p>
             <a:r>
+              <a:rPr lang="en-US" dirty="0"/>
+              <a:t> Syeda Maham </a:t>
+            </a:r>
+            <a:r>
               <a:rPr lang="en-US" dirty="0" err="1"/>
-              <a:t>Syeda</a:t>
+              <a:t>batool</a:t>
+            </a:r>
+            <a:endParaRPr lang="en-US" dirty="0"/>
+          </a:p>
+          <a:p>
+            <a:r>
+              <a:rPr lang="en-US" dirty="0"/>
+              <a:t>Murtaza </a:t>
+            </a:r>
+            <a:r>
+              <a:rPr lang="en-US" dirty="0" err="1"/>
+              <a:t>khalid</a:t>
+            </a:r>
+            <a:endParaRPr lang="en-US" dirty="0"/>
+          </a:p>
+          <a:p>
+            <a:r>
+              <a:rPr lang="en-US" dirty="0"/>
+              <a:t>Syed </a:t>
+            </a:r>
+            <a:r>
+              <a:rPr lang="en-US" dirty="0" err="1"/>
+              <a:t>kifayat</a:t>
             </a:r>
             <a:r>
               <a:rPr lang="en-US" dirty="0"/>
@@ -6702,7 +7547,7 @@
             </a:r>
             <a:r>
               <a:rPr lang="en-US" dirty="0" err="1"/>
-              <a:t>Maham</a:t>
+              <a:t>ur</a:t>
             </a:r>
             <a:r>
               <a:rPr lang="en-US" dirty="0"/>
@@ -6710,44 +7555,6 @@
             </a:r>
             <a:r>
               <a:rPr lang="en-US" dirty="0" err="1"/>
-              <a:t>batool</a:t>
-            </a:r>
-            <a:endParaRPr lang="en-US" dirty="0"/>
-          </a:p>
-          <a:p>
-            <a:r>
-              <a:rPr lang="en-US" dirty="0"/>
-              <a:t>Murtaza </a:t>
-            </a:r>
-            <a:r>
-              <a:rPr lang="en-US" dirty="0" err="1"/>
-              <a:t>khilid</a:t>
-            </a:r>
-            <a:endParaRPr lang="en-US" dirty="0"/>
-          </a:p>
-          <a:p>
-            <a:r>
-              <a:rPr lang="en-US" dirty="0"/>
-              <a:t>Syed </a:t>
-            </a:r>
-            <a:r>
-              <a:rPr lang="en-US" dirty="0" err="1"/>
-              <a:t>kifayat</a:t>
-            </a:r>
-            <a:r>
-              <a:rPr lang="en-US" dirty="0"/>
-              <a:t> </a:t>
-            </a:r>
-            <a:r>
-              <a:rPr lang="en-US" dirty="0" err="1"/>
-              <a:t>ur</a:t>
-            </a:r>
-            <a:r>
-              <a:rPr lang="en-US" dirty="0"/>
-              <a:t> </a:t>
-            </a:r>
-            <a:r>
-              <a:rPr lang="en-US" dirty="0" err="1"/>
               <a:t>rahman</a:t>
             </a:r>
             <a:endParaRPr lang="en-US" dirty="0"/>
@@ -6757,6 +7564,42 @@
           </a:p>
         </p:txBody>
       </p:sp>
+      <p:pic>
+        <p:nvPicPr>
+          <p:cNvPr id="5" name="Picture 4">
+            <a:extLst>
+              <a:ext uri="{FF2B5EF4-FFF2-40B4-BE49-F238E27FC236}">
+                <a16:creationId xmlns:a16="http://schemas.microsoft.com/office/drawing/2014/main" id="{91F13AE1-BA9D-49CD-8069-FE1CD927CB05}"/>
+              </a:ext>
+            </a:extLst>
+          </p:cNvPr>
+          <p:cNvPicPr>
+            <a:picLocks noChangeAspect="1"/>
+          </p:cNvPicPr>
+          <p:nvPr/>
+        </p:nvPicPr>
+        <p:blipFill>
+          <a:blip r:embed="rId2">
+            <a:extLst>
+              <a:ext uri="{837473B0-CC2E-450A-ABE3-18F120FF3D39}">
+                <a1611:picAttrSrcUrl xmlns:a1611="http://schemas.microsoft.com/office/drawing/2016/11/main" r:id="rId3"/>
+              </a:ext>
+            </a:extLst>
+          </a:blip>
+          <a:stretch>
+            <a:fillRect/>
+          </a:stretch>
+        </p:blipFill>
+        <p:spPr>
+          <a:xfrm>
+            <a:off x="6096000" y="831574"/>
+            <a:ext cx="4449417" cy="4449417"/>
+          </a:xfrm>
+          <a:prstGeom prst="rect">
+            <a:avLst/>
+          </a:prstGeom>
+        </p:spPr>
+      </p:pic>
     </p:spTree>
     <p:extLst>
       <p:ext uri="{BB962C8B-B14F-4D97-AF65-F5344CB8AC3E}">
@@ -6841,7 +7684,7 @@
           <a:p>
             <a:r>
               <a:rPr lang="en-US" sz="2400" dirty="0"/>
-              <a:t>Mall management system include all the operation and maintenance of entire building infrastructure which includes the management of accounts, shops, security and parking. Basically there are three major users who can login to this system which are as following :</a:t>
+              <a:t>Mall management system include all the operation and maintenance of entire building infrastructure which includes the management of accounts, shops, security and parking. IT IS IMPORTANT TO DEAL WITH MANAGEMENT IN THIS ERA .WE GUYS DECIDED TO MADE MALL MANAGEMENT SYSTEM SO THAT IT ALSO HELP US TO DEAL WITH DIFFIRENT SCENARIOS .WE COME TO KNOW THAT HOW TO ORGANIZE OUR CODE AND SUMMARIZE OUR CODE USING CLASSES.</a:t>
             </a:r>
           </a:p>
         </p:txBody>
@@ -6941,8 +7784,122 @@
           <a:p>
             <a:r>
               <a:rPr lang="en-US" sz="2400" dirty="0"/>
-              <a:t>Sub managers </a:t>
-            </a:r>
+              <a:t>Sub managers</a:t>
+            </a:r>
+          </a:p>
+          <a:p>
+            <a:pPr lvl="1">
+              <a:buFont typeface="Wingdings" panose="05000000000000000000" pitchFamily="2" charset="2"/>
+              <a:buChar char="Ø"/>
+            </a:pPr>
+            <a:r>
+              <a:rPr lang="en-US" sz="2200" dirty="0"/>
+              <a:t>Parking manager</a:t>
+            </a:r>
+          </a:p>
+          <a:p>
+            <a:pPr lvl="1">
+              <a:buFont typeface="Wingdings" panose="05000000000000000000" pitchFamily="2" charset="2"/>
+              <a:buChar char="Ø"/>
+            </a:pPr>
+            <a:r>
+              <a:rPr lang="en-US" sz="2200" dirty="0"/>
+              <a:t>Account manager</a:t>
+            </a:r>
+          </a:p>
+          <a:p>
+            <a:pPr lvl="1">
+              <a:buFont typeface="Wingdings" panose="05000000000000000000" pitchFamily="2" charset="2"/>
+              <a:buChar char="Ø"/>
+            </a:pPr>
+            <a:r>
+              <a:rPr lang="en-US" sz="2200" dirty="0"/>
+              <a:t>Maintenance manager </a:t>
+            </a:r>
+          </a:p>
+        </p:txBody>
+      </p:sp>
+      <p:pic>
+        <p:nvPicPr>
+          <p:cNvPr id="5" name="Picture 4">
+            <a:extLst>
+              <a:ext uri="{FF2B5EF4-FFF2-40B4-BE49-F238E27FC236}">
+                <a16:creationId xmlns:a16="http://schemas.microsoft.com/office/drawing/2014/main" id="{8330F030-5E08-4939-A3DA-0222F374E4C8}"/>
+              </a:ext>
+            </a:extLst>
+          </p:cNvPr>
+          <p:cNvPicPr>
+            <a:picLocks noChangeAspect="1"/>
+          </p:cNvPicPr>
+          <p:nvPr/>
+        </p:nvPicPr>
+        <p:blipFill>
+          <a:blip r:embed="rId2">
+            <a:extLst>
+              <a:ext uri="{837473B0-CC2E-450A-ABE3-18F120FF3D39}">
+                <a1611:picAttrSrcUrl xmlns:a1611="http://schemas.microsoft.com/office/drawing/2016/11/main" r:id="rId3"/>
+              </a:ext>
+            </a:extLst>
+          </a:blip>
+          <a:stretch>
+            <a:fillRect/>
+          </a:stretch>
+        </p:blipFill>
+        <p:spPr>
+          <a:xfrm>
+            <a:off x="5121678" y="1919913"/>
+            <a:ext cx="5958829" cy="3357087"/>
+          </a:xfrm>
+          <a:prstGeom prst="rect">
+            <a:avLst/>
+          </a:prstGeom>
+        </p:spPr>
+      </p:pic>
+      <p:sp>
+        <p:nvSpPr>
+          <p:cNvPr id="6" name="TextBox 5">
+            <a:extLst>
+              <a:ext uri="{FF2B5EF4-FFF2-40B4-BE49-F238E27FC236}">
+                <a16:creationId xmlns:a16="http://schemas.microsoft.com/office/drawing/2014/main" id="{75EB828C-B592-4AFC-8477-947A77A45FC1}"/>
+              </a:ext>
+            </a:extLst>
+          </p:cNvPr>
+          <p:cNvSpPr txBox="1"/>
+          <p:nvPr/>
+        </p:nvSpPr>
+        <p:spPr>
+          <a:xfrm>
+            <a:off x="5884094" y="5143753"/>
+            <a:ext cx="4726681" cy="230832"/>
+          </a:xfrm>
+          <a:prstGeom prst="rect">
+            <a:avLst/>
+          </a:prstGeom>
+          <a:noFill/>
+        </p:spPr>
+        <p:txBody>
+          <a:bodyPr wrap="square" rtlCol="0">
+            <a:spAutoFit/>
+          </a:bodyPr>
+          <a:lstStyle/>
+          <a:p>
+            <a:r>
+              <a:rPr lang="en-US" sz="900">
+                <a:hlinkClick r:id="rId3" tooltip="https://teachingthroughinnovation.blogspot.com/2019/12/tema-5-dosier-el-diseno-curricular-base.html"/>
+              </a:rPr>
+              <a:t>This Photo</a:t>
+            </a:r>
+            <a:r>
+              <a:rPr lang="en-US" sz="900"/>
+              <a:t> by Unknown Author is licensed under </a:t>
+            </a:r>
+            <a:r>
+              <a:rPr lang="en-US" sz="900">
+                <a:hlinkClick r:id="rId4" tooltip="https://creativecommons.org/licenses/by-nc-sa/3.0/"/>
+              </a:rPr>
+              <a:t>CC BY-SA-NC</a:t>
+            </a:r>
+            <a:endParaRPr lang="en-US" sz="900"/>
           </a:p>
         </p:txBody>
       </p:sp>
@@ -7031,10 +7988,12 @@
           <a:bodyPr/>
           <a:lstStyle/>
           <a:p>
-            <a:pPr algn="ctr"/>
+            <a:pPr marL="0" indent="0">
+              <a:buNone/>
+            </a:pPr>
             <a:r>
               <a:rPr lang="en-US" sz="2400" dirty="0"/>
-              <a:t>Head is a person who can only display the whole data which is the following :</a:t>
+              <a:t>Basically head act as the owner of the mall and have access to see the data of entire employees working in the mall. Head have access to following: </a:t>
             </a:r>
           </a:p>
           <a:p>
@@ -7156,14 +8115,14 @@
           <a:p>
             <a:r>
               <a:rPr lang="en-US" sz="2400" dirty="0"/>
-              <a:t>Manager is a person who can edit or display the data which are the following.</a:t>
+              <a:t>Manager  have access to  edit or display the following data:</a:t>
             </a:r>
           </a:p>
           <a:p>
             <a:pPr lvl="1"/>
             <a:r>
               <a:rPr lang="en-US" sz="2200" dirty="0"/>
-              <a:t>Account information </a:t>
+              <a:t>Account information</a:t>
             </a:r>
           </a:p>
           <a:p>
@@ -7296,6 +8255,42 @@
           </a:p>
         </p:txBody>
       </p:sp>
+      <p:pic>
+        <p:nvPicPr>
+          <p:cNvPr id="5" name="Picture 4">
+            <a:extLst>
+              <a:ext uri="{FF2B5EF4-FFF2-40B4-BE49-F238E27FC236}">
+                <a16:creationId xmlns:a16="http://schemas.microsoft.com/office/drawing/2014/main" id="{E3421E40-8FA3-4072-90EF-9CBC58884FE3}"/>
+              </a:ext>
+            </a:extLst>
+          </p:cNvPr>
+          <p:cNvPicPr>
+            <a:picLocks noChangeAspect="1"/>
+          </p:cNvPicPr>
+          <p:nvPr/>
+        </p:nvPicPr>
+        <p:blipFill>
+          <a:blip r:embed="rId2">
+            <a:extLst>
+              <a:ext uri="{837473B0-CC2E-450A-ABE3-18F120FF3D39}">
+                <a1611:picAttrSrcUrl xmlns:a1611="http://schemas.microsoft.com/office/drawing/2016/11/main" r:id="rId3"/>
+              </a:ext>
+            </a:extLst>
+          </a:blip>
+          <a:stretch>
+            <a:fillRect/>
+          </a:stretch>
+        </p:blipFill>
+        <p:spPr>
+          <a:xfrm>
+            <a:off x="4632064" y="1861267"/>
+            <a:ext cx="6541208" cy="3270604"/>
+          </a:xfrm>
+          <a:prstGeom prst="rect">
+            <a:avLst/>
+          </a:prstGeom>
+        </p:spPr>
+      </p:pic>
     </p:spTree>
     <p:extLst>
       <p:ext uri="{BB962C8B-B14F-4D97-AF65-F5344CB8AC3E}">
@@ -7378,7 +8373,7 @@
         </p:nvSpPr>
         <p:spPr>
           <a:xfrm>
-            <a:off x="723123" y="1559543"/>
+            <a:off x="696619" y="1331762"/>
             <a:ext cx="10394707" cy="4542677"/>
           </a:xfrm>
         </p:spPr>
@@ -7390,7 +8385,7 @@
           <a:p>
             <a:r>
               <a:rPr lang="en-US" sz="2400" dirty="0"/>
-              <a:t>Account manager can manage the whole account of our mall.</a:t>
+              <a:t>Account manager can manage the whole financial record of our mall.</a:t>
             </a:r>
           </a:p>
           <a:p>
@@ -7453,6 +8448,90 @@
           <a:p>
             <a:pPr lvl="1"/>
             <a:endParaRPr lang="en-US" sz="2200" dirty="0"/>
+          </a:p>
+        </p:txBody>
+      </p:sp>
+      <p:pic>
+        <p:nvPicPr>
+          <p:cNvPr id="5" name="Picture 4">
+            <a:extLst>
+              <a:ext uri="{FF2B5EF4-FFF2-40B4-BE49-F238E27FC236}">
+                <a16:creationId xmlns:a16="http://schemas.microsoft.com/office/drawing/2014/main" id="{CA535E6E-9F60-4890-BBC3-AC9E76AD9617}"/>
+              </a:ext>
+            </a:extLst>
+          </p:cNvPr>
+          <p:cNvPicPr>
+            <a:picLocks noChangeAspect="1"/>
+          </p:cNvPicPr>
+          <p:nvPr/>
+        </p:nvPicPr>
+        <p:blipFill>
+          <a:blip r:embed="rId2">
+            <a:extLst>
+              <a:ext uri="{837473B0-CC2E-450A-ABE3-18F120FF3D39}">
+                <a1611:picAttrSrcUrl xmlns:a1611="http://schemas.microsoft.com/office/drawing/2016/11/main" r:id="rId3"/>
+              </a:ext>
+            </a:extLst>
+          </a:blip>
+          <a:stretch>
+            <a:fillRect/>
+          </a:stretch>
+        </p:blipFill>
+        <p:spPr>
+          <a:xfrm>
+            <a:off x="6485859" y="1993566"/>
+            <a:ext cx="4728253" cy="3152169"/>
+          </a:xfrm>
+          <a:prstGeom prst="rect">
+            <a:avLst/>
+          </a:prstGeom>
+        </p:spPr>
+      </p:pic>
+      <p:sp>
+        <p:nvSpPr>
+          <p:cNvPr id="6" name="TextBox 5">
+            <a:extLst>
+              <a:ext uri="{FF2B5EF4-FFF2-40B4-BE49-F238E27FC236}">
+                <a16:creationId xmlns:a16="http://schemas.microsoft.com/office/drawing/2014/main" id="{9844CA82-C464-4541-B8D4-AEFD73C4B6E2}"/>
+              </a:ext>
+            </a:extLst>
+          </p:cNvPr>
+          <p:cNvSpPr txBox="1"/>
+          <p:nvPr/>
+        </p:nvSpPr>
+        <p:spPr>
+          <a:xfrm>
+            <a:off x="6485859" y="6447371"/>
+            <a:ext cx="4728253" cy="230832"/>
+          </a:xfrm>
+          <a:prstGeom prst="rect">
+            <a:avLst/>
+          </a:prstGeom>
+          <a:noFill/>
+        </p:spPr>
+        <p:txBody>
+          <a:bodyPr wrap="square" rtlCol="0">
+            <a:spAutoFit/>
+          </a:bodyPr>
+          <a:lstStyle/>
+          <a:p>
+            <a:r>
+              <a:rPr lang="en-US" sz="900">
+                <a:hlinkClick r:id="rId3" tooltip="https://www.picpedia.org/suspension-file/a/accounts.html"/>
+              </a:rPr>
+              <a:t>This Photo</a:t>
+            </a:r>
+            <a:r>
+              <a:rPr lang="en-US" sz="900"/>
+              <a:t> by Unknown Author is licensed under </a:t>
+            </a:r>
+            <a:r>
+              <a:rPr lang="en-US" sz="900">
+                <a:hlinkClick r:id="rId4" tooltip="https://creativecommons.org/licenses/by-sa/3.0/"/>
+              </a:rPr>
+              <a:t>CC BY-SA</a:t>
+            </a:r>
+            <a:endParaRPr lang="en-US" sz="900"/>
           </a:p>
         </p:txBody>
       </p:sp>
@@ -7572,6 +8651,90 @@
               <a:rPr lang="en-US" sz="2400" dirty="0"/>
               <a:t>Electricity bill</a:t>
             </a:r>
+          </a:p>
+        </p:txBody>
+      </p:sp>
+      <p:pic>
+        <p:nvPicPr>
+          <p:cNvPr id="5" name="Picture 4">
+            <a:extLst>
+              <a:ext uri="{FF2B5EF4-FFF2-40B4-BE49-F238E27FC236}">
+                <a16:creationId xmlns:a16="http://schemas.microsoft.com/office/drawing/2014/main" id="{F40FB9CA-4DA1-4EA8-B77F-8D8541445197}"/>
+              </a:ext>
+            </a:extLst>
+          </p:cNvPr>
+          <p:cNvPicPr>
+            <a:picLocks noChangeAspect="1"/>
+          </p:cNvPicPr>
+          <p:nvPr/>
+        </p:nvPicPr>
+        <p:blipFill>
+          <a:blip r:embed="rId2">
+            <a:extLst>
+              <a:ext uri="{837473B0-CC2E-450A-ABE3-18F120FF3D39}">
+                <a1611:picAttrSrcUrl xmlns:a1611="http://schemas.microsoft.com/office/drawing/2016/11/main" r:id="rId3"/>
+              </a:ext>
+            </a:extLst>
+          </a:blip>
+          <a:stretch>
+            <a:fillRect/>
+          </a:stretch>
+        </p:blipFill>
+        <p:spPr>
+          <a:xfrm>
+            <a:off x="5155924" y="2000250"/>
+            <a:ext cx="5829300" cy="2857500"/>
+          </a:xfrm>
+          <a:prstGeom prst="rect">
+            <a:avLst/>
+          </a:prstGeom>
+        </p:spPr>
+      </p:pic>
+      <p:sp>
+        <p:nvSpPr>
+          <p:cNvPr id="6" name="TextBox 5">
+            <a:extLst>
+              <a:ext uri="{FF2B5EF4-FFF2-40B4-BE49-F238E27FC236}">
+                <a16:creationId xmlns:a16="http://schemas.microsoft.com/office/drawing/2014/main" id="{5361F22B-94B0-4F23-A94E-74B43FFD0B85}"/>
+              </a:ext>
+            </a:extLst>
+          </p:cNvPr>
+          <p:cNvSpPr txBox="1"/>
+          <p:nvPr/>
+        </p:nvSpPr>
+        <p:spPr>
+          <a:xfrm>
+            <a:off x="5155924" y="4857750"/>
+            <a:ext cx="5829300" cy="230832"/>
+          </a:xfrm>
+          <a:prstGeom prst="rect">
+            <a:avLst/>
+          </a:prstGeom>
+          <a:noFill/>
+        </p:spPr>
+        <p:txBody>
+          <a:bodyPr wrap="square" rtlCol="0">
+            <a:spAutoFit/>
+          </a:bodyPr>
+          <a:lstStyle/>
+          <a:p>
+            <a:r>
+              <a:rPr lang="en-US" sz="900">
+                <a:hlinkClick r:id="rId3" tooltip="https://www.australiansolarquotes.com.au/2018/03/16/electricity-bills-blow-recent-energy-rules-change-prices/"/>
+              </a:rPr>
+              <a:t>This Photo</a:t>
+            </a:r>
+            <a:r>
+              <a:rPr lang="en-US" sz="900"/>
+              <a:t> by Unknown Author is licensed under </a:t>
+            </a:r>
+            <a:r>
+              <a:rPr lang="en-US" sz="900">
+                <a:hlinkClick r:id="rId4" tooltip="https://creativecommons.org/licenses/by/3.0/"/>
+              </a:rPr>
+              <a:t>CC BY</a:t>
+            </a:r>
+            <a:endParaRPr lang="en-US" sz="900"/>
           </a:p>
         </p:txBody>
       </p:sp>

--- a/Opp Project.pptx
+++ b/Opp Project.pptx
@@ -269,6 +269,45 @@
             <pc:docMk/>
             <pc:sldMk cId="3304949384" sldId="267"/>
             <ac:spMk id="3" creationId="{3FAB3364-A030-54FE-BC42-A1A3CA283180}"/>
+          </ac:spMkLst>
+        </pc:spChg>
+      </pc:sldChg>
+    </pc:docChg>
+  </pc:docChgLst>
+  <pc:docChgLst>
+    <pc:chgData name="Kifayat Ur Rahman" userId="6189d9e9ba0e3bb0" providerId="LiveId" clId="{4140247D-C769-4997-90EB-A22CA4D82AD7}"/>
+    <pc:docChg chg="custSel modSld">
+      <pc:chgData name="Kifayat Ur Rahman" userId="6189d9e9ba0e3bb0" providerId="LiveId" clId="{4140247D-C769-4997-90EB-A22CA4D82AD7}" dt="2023-02-28T17:32:39.597" v="2" actId="20577"/>
+      <pc:docMkLst>
+        <pc:docMk/>
+      </pc:docMkLst>
+      <pc:sldChg chg="modSp mod">
+        <pc:chgData name="Kifayat Ur Rahman" userId="6189d9e9ba0e3bb0" providerId="LiveId" clId="{4140247D-C769-4997-90EB-A22CA4D82AD7}" dt="2023-02-28T17:27:54.876" v="0" actId="33524"/>
+        <pc:sldMkLst>
+          <pc:docMk/>
+          <pc:sldMk cId="3101316760" sldId="260"/>
+        </pc:sldMkLst>
+        <pc:spChg chg="mod">
+          <ac:chgData name="Kifayat Ur Rahman" userId="6189d9e9ba0e3bb0" providerId="LiveId" clId="{4140247D-C769-4997-90EB-A22CA4D82AD7}" dt="2023-02-28T17:27:54.876" v="0" actId="33524"/>
+          <ac:spMkLst>
+            <pc:docMk/>
+            <pc:sldMk cId="3101316760" sldId="260"/>
+            <ac:spMk id="3" creationId="{AE747952-7D27-0ADE-EF5E-0A47ABF6325D}"/>
+          </ac:spMkLst>
+        </pc:spChg>
+      </pc:sldChg>
+      <pc:sldChg chg="modSp mod">
+        <pc:chgData name="Kifayat Ur Rahman" userId="6189d9e9ba0e3bb0" providerId="LiveId" clId="{4140247D-C769-4997-90EB-A22CA4D82AD7}" dt="2023-02-28T17:32:39.597" v="2" actId="20577"/>
+        <pc:sldMkLst>
+          <pc:docMk/>
+          <pc:sldMk cId="1335536784" sldId="268"/>
+        </pc:sldMkLst>
+        <pc:spChg chg="mod">
+          <ac:chgData name="Kifayat Ur Rahman" userId="6189d9e9ba0e3bb0" providerId="LiveId" clId="{4140247D-C769-4997-90EB-A22CA4D82AD7}" dt="2023-02-28T17:32:39.597" v="2" actId="20577"/>
+          <ac:spMkLst>
+            <pc:docMk/>
+            <pc:sldMk cId="1335536784" sldId="268"/>
+            <ac:spMk id="7" creationId="{1A03331B-8BB7-4AEA-8D1A-1FF62ED0B6C9}"/>
           </ac:spMkLst>
         </pc:spChg>
       </pc:sldChg>
@@ -7298,8 +7337,13 @@
           <a:p>
             <a:r>
               <a:rPr lang="en-US" dirty="0"/>
-              <a:t>MURTAZA KHALIC</a:t>
-            </a:r>
+              <a:t>MURTAZA </a:t>
+            </a:r>
+            <a:r>
+              <a:rPr lang="en-US"/>
+              <a:t>KHALId</a:t>
+            </a:r>
+            <a:endParaRPr lang="en-US" dirty="0"/>
           </a:p>
         </p:txBody>
       </p:sp>
@@ -7993,7 +8037,7 @@
             </a:pPr>
             <a:r>
               <a:rPr lang="en-US" sz="2400" dirty="0"/>
-              <a:t>Basically head act as the owner of the mall and have access to see the data of entire employees working in the mall. Head have access to following: </a:t>
+              <a:t>Basically, head act as the owner of the mall and have access to see the data of entire employees working in the mall. Head have access to following: </a:t>
             </a:r>
           </a:p>
           <a:p>

--- a/Opp Project.pptx
+++ b/Opp Project.pptx
@@ -6806,7 +6806,7 @@
         </p:blipFill>
         <p:spPr>
           <a:xfrm>
-            <a:off x="4977139" y="2033885"/>
+            <a:off x="4977139" y="1261782"/>
             <a:ext cx="5929399" cy="3367204"/>
           </a:xfrm>
           <a:prstGeom prst="rect">
@@ -7993,14 +7993,14 @@
             </a:pPr>
             <a:r>
               <a:rPr lang="en-US" sz="2400" dirty="0"/>
-              <a:t>Basically head act as the owner of the mall and have access to see the data of entire employees working in the mall. Head have access to following: </a:t>
+              <a:t>Basically, head acts as the owner of the mall and have access to see the data of entire employees working in the mall. Head has access to the following: </a:t>
             </a:r>
           </a:p>
           <a:p>
             <a:pPr lvl="1"/>
             <a:r>
               <a:rPr lang="en-US" dirty="0"/>
-              <a:t>Account’s information </a:t>
+              <a:t> Account information </a:t>
             </a:r>
           </a:p>
           <a:p>
@@ -8373,7 +8373,7 @@
         </p:nvSpPr>
         <p:spPr>
           <a:xfrm>
-            <a:off x="696619" y="1331762"/>
+            <a:off x="696619" y="4176032"/>
             <a:ext cx="10394707" cy="4542677"/>
           </a:xfrm>
         </p:spPr>

--- a/Opp Project.pptx
+++ b/Opp Project.pptx
@@ -8021,8 +8021,13 @@
             <a:pPr lvl="1"/>
             <a:r>
               <a:rPr lang="en-US" dirty="0"/>
-              <a:t>Parking details</a:t>
-            </a:r>
+              <a:t>Parking </a:t>
+            </a:r>
+            <a:r>
+              <a:rPr lang="en-US"/>
+              <a:t>detailssss</a:t>
+            </a:r>
+            <a:endParaRPr lang="en-US" dirty="0"/>
           </a:p>
         </p:txBody>
       </p:sp>

--- a/Opp Project.pptx
+++ b/Opp Project.pptx
@@ -128,6 +128,7 @@
 <file path=ppt/revisionInfo.xml><?xml version="1.0" encoding="utf-8"?>
 <p1510:revInfo xmlns:a="http://schemas.openxmlformats.org/drawingml/2006/main" xmlns:r="http://schemas.openxmlformats.org/officeDocument/2006/relationships" xmlns:p1510="http://schemas.microsoft.com/office/powerpoint/2015/10/main">
   <p1510:revLst>
+    <p1510:client id="{4140247D-C769-4997-90EB-A22CA4D82AD7}" v="6" dt="2023-02-28T18:39:31.605"/>
     <p1510:client id="{CABF2434-9392-4C18-83A9-48C4A356C7EA}" v="18" dt="2023-02-27T18:49:56.451"/>
   </p1510:revLst>
 </p1510:revInfo>
@@ -277,10 +278,25 @@
   <pc:docChgLst>
     <pc:chgData name="Kifayat Ur Rahman" userId="6189d9e9ba0e3bb0" providerId="LiveId" clId="{4140247D-C769-4997-90EB-A22CA4D82AD7}"/>
     <pc:docChg chg="custSel modSld">
-      <pc:chgData name="Kifayat Ur Rahman" userId="6189d9e9ba0e3bb0" providerId="LiveId" clId="{4140247D-C769-4997-90EB-A22CA4D82AD7}" dt="2023-02-28T17:32:39.597" v="2" actId="20577"/>
+      <pc:chgData name="Kifayat Ur Rahman" userId="6189d9e9ba0e3bb0" providerId="LiveId" clId="{4140247D-C769-4997-90EB-A22CA4D82AD7}" dt="2023-02-28T18:39:31.605" v="8" actId="20577"/>
       <pc:docMkLst>
         <pc:docMk/>
       </pc:docMkLst>
+      <pc:sldChg chg="modSp">
+        <pc:chgData name="Kifayat Ur Rahman" userId="6189d9e9ba0e3bb0" providerId="LiveId" clId="{4140247D-C769-4997-90EB-A22CA4D82AD7}" dt="2023-02-28T18:39:31.605" v="8" actId="20577"/>
+        <pc:sldMkLst>
+          <pc:docMk/>
+          <pc:sldMk cId="4262556272" sldId="256"/>
+        </pc:sldMkLst>
+        <pc:spChg chg="mod">
+          <ac:chgData name="Kifayat Ur Rahman" userId="6189d9e9ba0e3bb0" providerId="LiveId" clId="{4140247D-C769-4997-90EB-A22CA4D82AD7}" dt="2023-02-28T18:39:31.605" v="8" actId="20577"/>
+          <ac:spMkLst>
+            <pc:docMk/>
+            <pc:sldMk cId="4262556272" sldId="256"/>
+            <ac:spMk id="3" creationId="{E3658704-6064-192E-EFF7-C7702951463A}"/>
+          </ac:spMkLst>
+        </pc:spChg>
+      </pc:sldChg>
       <pc:sldChg chg="modSp mod">
         <pc:chgData name="Kifayat Ur Rahman" userId="6189d9e9ba0e3bb0" providerId="LiveId" clId="{4140247D-C769-4997-90EB-A22CA4D82AD7}" dt="2023-02-28T17:27:54.876" v="0" actId="33524"/>
         <pc:sldMkLst>
@@ -6426,7 +6442,19 @@
           <a:p>
             <a:r>
               <a:rPr lang="en-US" dirty="0"/>
-              <a:t>Sir usama bin Shakeel  </a:t>
+              <a:t>Sir usama </a:t>
+            </a:r>
+            <a:r>
+              <a:rPr lang="en-US"/>
+              <a:t>bin Shakeel (</a:t>
+            </a:r>
+            <a:r>
+              <a:rPr lang="en-US" dirty="0" err="1"/>
+              <a:t>ubs</a:t>
+            </a:r>
+            <a:r>
+              <a:rPr lang="en-US" dirty="0"/>
+              <a:t>)  </a:t>
             </a:r>
           </a:p>
         </p:txBody>

--- a/Opp Project.pptx
+++ b/Opp Project.pptx
@@ -128,8 +128,7 @@
 <file path=ppt/revisionInfo.xml><?xml version="1.0" encoding="utf-8"?>
 <p1510:revInfo xmlns:a="http://schemas.openxmlformats.org/drawingml/2006/main" xmlns:r="http://schemas.openxmlformats.org/officeDocument/2006/relationships" xmlns:p1510="http://schemas.microsoft.com/office/powerpoint/2015/10/main">
   <p1510:revLst>
-    <p1510:client id="{4140247D-C769-4997-90EB-A22CA4D82AD7}" v="6" dt="2023-02-28T18:39:31.605"/>
-    <p1510:client id="{CABF2434-9392-4C18-83A9-48C4A356C7EA}" v="18" dt="2023-02-27T18:49:56.451"/>
+    <p1510:client id="{4140247D-C769-4997-90EB-A22CA4D82AD7}" v="12" dt="2023-02-28T18:55:50.079"/>
   </p1510:revLst>
 </p1510:revInfo>
 </file>
@@ -278,18 +277,18 @@
   <pc:docChgLst>
     <pc:chgData name="Kifayat Ur Rahman" userId="6189d9e9ba0e3bb0" providerId="LiveId" clId="{4140247D-C769-4997-90EB-A22CA4D82AD7}"/>
     <pc:docChg chg="custSel modSld">
-      <pc:chgData name="Kifayat Ur Rahman" userId="6189d9e9ba0e3bb0" providerId="LiveId" clId="{4140247D-C769-4997-90EB-A22CA4D82AD7}" dt="2023-02-28T18:39:31.605" v="8" actId="20577"/>
+      <pc:chgData name="Kifayat Ur Rahman" userId="6189d9e9ba0e3bb0" providerId="LiveId" clId="{4140247D-C769-4997-90EB-A22CA4D82AD7}" dt="2023-02-28T18:55:50.079" v="14" actId="20577"/>
       <pc:docMkLst>
         <pc:docMk/>
       </pc:docMkLst>
       <pc:sldChg chg="modSp">
-        <pc:chgData name="Kifayat Ur Rahman" userId="6189d9e9ba0e3bb0" providerId="LiveId" clId="{4140247D-C769-4997-90EB-A22CA4D82AD7}" dt="2023-02-28T18:39:31.605" v="8" actId="20577"/>
+        <pc:chgData name="Kifayat Ur Rahman" userId="6189d9e9ba0e3bb0" providerId="LiveId" clId="{4140247D-C769-4997-90EB-A22CA4D82AD7}" dt="2023-02-28T18:55:50.079" v="14" actId="20577"/>
         <pc:sldMkLst>
           <pc:docMk/>
           <pc:sldMk cId="4262556272" sldId="256"/>
         </pc:sldMkLst>
         <pc:spChg chg="mod">
-          <ac:chgData name="Kifayat Ur Rahman" userId="6189d9e9ba0e3bb0" providerId="LiveId" clId="{4140247D-C769-4997-90EB-A22CA4D82AD7}" dt="2023-02-28T18:39:31.605" v="8" actId="20577"/>
+          <ac:chgData name="Kifayat Ur Rahman" userId="6189d9e9ba0e3bb0" providerId="LiveId" clId="{4140247D-C769-4997-90EB-A22CA4D82AD7}" dt="2023-02-28T18:55:50.079" v="14" actId="20577"/>
           <ac:spMkLst>
             <pc:docMk/>
             <pc:sldMk cId="4262556272" sldId="256"/>
@@ -6442,20 +6441,13 @@
           <a:p>
             <a:r>
               <a:rPr lang="en-US" dirty="0"/>
-              <a:t>Sir usama </a:t>
+              <a:t>Sir usama bin </a:t>
             </a:r>
             <a:r>
               <a:rPr lang="en-US"/>
-              <a:t>bin Shakeel (</a:t>
+              <a:t>Shakeel  </a:t>
             </a:r>
-            <a:r>
-              <a:rPr lang="en-US" dirty="0" err="1"/>
-              <a:t>ubs</a:t>
-            </a:r>
-            <a:r>
-              <a:rPr lang="en-US" dirty="0"/>
-              <a:t>)  </a:t>
-            </a:r>
+            <a:endParaRPr lang="en-US" dirty="0"/>
           </a:p>
         </p:txBody>
       </p:sp>

--- a/Opp Project.pptx
+++ b/Opp Project.pptx
@@ -125,16 +125,32 @@
 </p:presentation>
 </file>
 
-<file path=ppt/revisionInfo.xml><?xml version="1.0" encoding="utf-8"?>
-<p1510:revInfo xmlns:a="http://schemas.openxmlformats.org/drawingml/2006/main" xmlns:r="http://schemas.openxmlformats.org/officeDocument/2006/relationships" xmlns:p1510="http://schemas.microsoft.com/office/powerpoint/2015/10/main">
-  <p1510:revLst>
-    <p1510:client id="{4140247D-C769-4997-90EB-A22CA4D82AD7}" v="12" dt="2023-02-28T18:55:50.079"/>
-  </p1510:revLst>
-</p1510:revInfo>
-</file>
-
 <file path=ppt/changesInfos/changesInfo1.xml><?xml version="1.0" encoding="utf-8"?>
 <pc:chgInfo xmlns:a="http://schemas.openxmlformats.org/drawingml/2006/main" xmlns:r="http://schemas.openxmlformats.org/officeDocument/2006/relationships" xmlns:ac="http://schemas.microsoft.com/office/drawing/2013/main/command" xmlns:pc="http://schemas.microsoft.com/office/powerpoint/2013/main/command">
+  <pc:docChgLst>
+    <pc:chgData name="Kifayat Ur Rahman" userId="6189d9e9ba0e3bb0" providerId="LiveId" clId="{63C00F4D-CA35-4624-A957-38EBFA0763C3}"/>
+    <pc:docChg chg="modSld">
+      <pc:chgData name="Kifayat Ur Rahman" userId="6189d9e9ba0e3bb0" providerId="LiveId" clId="{63C00F4D-CA35-4624-A957-38EBFA0763C3}" dt="2023-04-06T16:36:24.278" v="0" actId="20577"/>
+      <pc:docMkLst>
+        <pc:docMk/>
+      </pc:docMkLst>
+      <pc:sldChg chg="modSp mod">
+        <pc:chgData name="Kifayat Ur Rahman" userId="6189d9e9ba0e3bb0" providerId="LiveId" clId="{63C00F4D-CA35-4624-A957-38EBFA0763C3}" dt="2023-04-06T16:36:24.278" v="0" actId="20577"/>
+        <pc:sldMkLst>
+          <pc:docMk/>
+          <pc:sldMk cId="4262556272" sldId="256"/>
+        </pc:sldMkLst>
+        <pc:spChg chg="mod">
+          <ac:chgData name="Kifayat Ur Rahman" userId="6189d9e9ba0e3bb0" providerId="LiveId" clId="{63C00F4D-CA35-4624-A957-38EBFA0763C3}" dt="2023-04-06T16:36:24.278" v="0" actId="20577"/>
+          <ac:spMkLst>
+            <pc:docMk/>
+            <pc:sldMk cId="4262556272" sldId="256"/>
+            <ac:spMk id="2" creationId="{D225A168-4D2F-ECDE-EE3A-5B8103F6242E}"/>
+          </ac:spMkLst>
+        </pc:spChg>
+      </pc:sldChg>
+    </pc:docChg>
+  </pc:docChgLst>
   <pc:docChgLst>
     <pc:chgData name="Kifayat Ur Rahman" userId="6189d9e9ba0e3bb0" providerId="LiveId" clId="{CABF2434-9392-4C18-83A9-48C4A356C7EA}"/>
     <pc:docChg chg="custSel addSld modSld">
@@ -784,7 +800,7 @@
           <a:p>
             <a:fld id="{F7AFFB9B-9FB8-469E-96F9-4D32314110B6}" type="datetimeFigureOut">
               <a:rPr lang="en-US" smtClean="0"/>
-              <a:t>2/28/2023</a:t>
+              <a:t>4/6/2023</a:t>
             </a:fld>
             <a:endParaRPr lang="en-US" dirty="0"/>
           </a:p>
@@ -1117,7 +1133,7 @@
           <a:p>
             <a:fld id="{C35BB1C6-BF8F-4481-8AB2-603A1C8A906A}" type="datetimeFigureOut">
               <a:rPr lang="en-US" smtClean="0"/>
-              <a:t>2/28/2023</a:t>
+              <a:t>4/6/2023</a:t>
             </a:fld>
             <a:endParaRPr lang="en-US" dirty="0"/>
           </a:p>
@@ -1315,7 +1331,7 @@
           <a:p>
             <a:fld id="{C35BB1C6-BF8F-4481-8AB2-603A1C8A906A}" type="datetimeFigureOut">
               <a:rPr lang="en-US" smtClean="0"/>
-              <a:t>2/28/2023</a:t>
+              <a:t>4/6/2023</a:t>
             </a:fld>
             <a:endParaRPr lang="en-US" dirty="0"/>
           </a:p>
@@ -1587,7 +1603,7 @@
           <a:p>
             <a:fld id="{C35BB1C6-BF8F-4481-8AB2-603A1C8A906A}" type="datetimeFigureOut">
               <a:rPr lang="en-US" smtClean="0"/>
-              <a:t>2/28/2023</a:t>
+              <a:t>4/6/2023</a:t>
             </a:fld>
             <a:endParaRPr lang="en-US" dirty="0"/>
           </a:p>
@@ -2017,7 +2033,7 @@
           <a:p>
             <a:fld id="{C35BB1C6-BF8F-4481-8AB2-603A1C8A906A}" type="datetimeFigureOut">
               <a:rPr lang="en-US" smtClean="0"/>
-              <a:t>2/28/2023</a:t>
+              <a:t>4/6/2023</a:t>
             </a:fld>
             <a:endParaRPr lang="en-US" dirty="0"/>
           </a:p>
@@ -2569,7 +2585,7 @@
           <a:p>
             <a:fld id="{28FBA082-94DF-4C4B-A041-6624924AB0A8}" type="datetimeFigureOut">
               <a:rPr lang="en-US" smtClean="0"/>
-              <a:t>2/28/2023</a:t>
+              <a:t>4/6/2023</a:t>
             </a:fld>
             <a:endParaRPr lang="en-US" dirty="0"/>
           </a:p>
@@ -3359,7 +3375,7 @@
           <a:p>
             <a:fld id="{C35BB1C6-BF8F-4481-8AB2-603A1C8A906A}" type="datetimeFigureOut">
               <a:rPr lang="en-US" smtClean="0"/>
-              <a:t>2/28/2023</a:t>
+              <a:t>4/6/2023</a:t>
             </a:fld>
             <a:endParaRPr lang="en-US" dirty="0"/>
           </a:p>
@@ -3540,7 +3556,7 @@
           <a:p>
             <a:fld id="{C35BB1C6-BF8F-4481-8AB2-603A1C8A906A}" type="datetimeFigureOut">
               <a:rPr lang="en-US" smtClean="0"/>
-              <a:t>2/28/2023</a:t>
+              <a:t>4/6/2023</a:t>
             </a:fld>
             <a:endParaRPr lang="en-US" dirty="0"/>
           </a:p>
@@ -3726,7 +3742,7 @@
           <a:p>
             <a:fld id="{C35BB1C6-BF8F-4481-8AB2-603A1C8A906A}" type="datetimeFigureOut">
               <a:rPr lang="en-US" smtClean="0"/>
-              <a:t>2/28/2023</a:t>
+              <a:t>4/6/2023</a:t>
             </a:fld>
             <a:endParaRPr lang="en-US" dirty="0"/>
           </a:p>
@@ -3903,7 +3919,7 @@
           <a:p>
             <a:fld id="{C35BB1C6-BF8F-4481-8AB2-603A1C8A906A}" type="datetimeFigureOut">
               <a:rPr lang="en-US" smtClean="0"/>
-              <a:t>2/28/2023</a:t>
+              <a:t>4/6/2023</a:t>
             </a:fld>
             <a:endParaRPr lang="en-US" dirty="0"/>
           </a:p>
@@ -4155,7 +4171,7 @@
           <a:p>
             <a:fld id="{0F7F47CF-67C9-420C-80A5-E2069FF0C2DF}" type="datetimeFigureOut">
               <a:rPr lang="en-US" smtClean="0"/>
-              <a:t>2/28/2023</a:t>
+              <a:t>4/6/2023</a:t>
             </a:fld>
             <a:endParaRPr lang="en-US" dirty="0"/>
           </a:p>
@@ -4392,7 +4408,7 @@
           <a:p>
             <a:fld id="{C35BB1C6-BF8F-4481-8AB2-603A1C8A906A}" type="datetimeFigureOut">
               <a:rPr lang="en-US" smtClean="0"/>
-              <a:t>2/28/2023</a:t>
+              <a:t>4/6/2023</a:t>
             </a:fld>
             <a:endParaRPr lang="en-US" dirty="0"/>
           </a:p>
@@ -4779,7 +4795,7 @@
           <a:p>
             <a:fld id="{C35BB1C6-BF8F-4481-8AB2-603A1C8A906A}" type="datetimeFigureOut">
               <a:rPr lang="en-US" smtClean="0"/>
-              <a:t>2/28/2023</a:t>
+              <a:t>4/6/2023</a:t>
             </a:fld>
             <a:endParaRPr lang="en-US" dirty="0"/>
           </a:p>
@@ -4899,7 +4915,7 @@
           <a:p>
             <a:fld id="{097649AC-CB8F-4FF1-9A34-5861C74DD0A7}" type="datetimeFigureOut">
               <a:rPr lang="en-US" smtClean="0"/>
-              <a:t>2/28/2023</a:t>
+              <a:t>4/6/2023</a:t>
             </a:fld>
             <a:endParaRPr lang="en-US" dirty="0"/>
           </a:p>
@@ -4994,7 +5010,7 @@
           <a:p>
             <a:fld id="{3EC5CECA-2D3A-4680-9B49-752200DE467C}" type="datetimeFigureOut">
               <a:rPr lang="en-US" smtClean="0"/>
-              <a:t>2/28/2023</a:t>
+              <a:t>4/6/2023</a:t>
             </a:fld>
             <a:endParaRPr lang="en-US" dirty="0"/>
           </a:p>
@@ -5247,7 +5263,7 @@
           <a:p>
             <a:fld id="{C35BB1C6-BF8F-4481-8AB2-603A1C8A906A}" type="datetimeFigureOut">
               <a:rPr lang="en-US" smtClean="0"/>
-              <a:t>2/28/2023</a:t>
+              <a:t>4/6/2023</a:t>
             </a:fld>
             <a:endParaRPr lang="en-US" dirty="0"/>
           </a:p>
@@ -5518,7 +5534,7 @@
           <a:p>
             <a:fld id="{C35BB1C6-BF8F-4481-8AB2-603A1C8A906A}" type="datetimeFigureOut">
               <a:rPr lang="en-US" smtClean="0"/>
-              <a:t>2/28/2023</a:t>
+              <a:t>4/6/2023</a:t>
             </a:fld>
             <a:endParaRPr lang="en-US" dirty="0"/>
           </a:p>
@@ -5923,7 +5939,7 @@
           <a:p>
             <a:fld id="{C35BB1C6-BF8F-4481-8AB2-603A1C8A906A}" type="datetimeFigureOut">
               <a:rPr lang="en-US" smtClean="0"/>
-              <a:t>2/28/2023</a:t>
+              <a:t>4/6/2023</a:t>
             </a:fld>
             <a:endParaRPr lang="en-US" dirty="0"/>
           </a:p>
@@ -6409,12 +6425,13 @@
               <a:t>Opp Project </a:t>
             </a:r>
             <a:br>
-              <a:rPr lang="en-US" dirty="0"/>
+              <a:rPr lang="en-US"/>
             </a:br>
             <a:r>
-              <a:rPr lang="en-US" dirty="0"/>
-              <a:t>proposal</a:t>
+              <a:rPr lang="en-US"/>
+              <a:t>proposal </a:t>
             </a:r>
+            <a:endParaRPr lang="en-US" dirty="0"/>
           </a:p>
         </p:txBody>
       </p:sp>

--- a/Opp Project.pptx
+++ b/Opp Project.pptx
@@ -17,7 +17,6 @@
     <p:sldId id="273" r:id="rId11"/>
     <p:sldId id="268" r:id="rId12"/>
     <p:sldId id="270" r:id="rId13"/>
-    <p:sldId id="269" r:id="rId14"/>
   </p:sldIdLst>
   <p:sldSz cx="12192000" cy="6858000"/>
   <p:notesSz cx="6858000" cy="9144000"/>
@@ -127,7 +126,7 @@
 <file path=ppt/revisionInfo.xml><?xml version="1.0" encoding="utf-8"?>
 <p1510:revInfo xmlns:a="http://schemas.openxmlformats.org/drawingml/2006/main" xmlns:r="http://schemas.openxmlformats.org/officeDocument/2006/relationships" xmlns:p1510="http://schemas.microsoft.com/office/powerpoint/2015/10/main">
   <p1510:revLst>
-    <p1510:client id="{63C00F4D-CA35-4624-A957-38EBFA0763C3}" v="438" dt="2023-04-11T18:56:19.274"/>
+    <p1510:client id="{63C00F4D-CA35-4624-A957-38EBFA0763C3}" v="439" dt="2023-04-14T03:17:45.451"/>
   </p1510:revLst>
 </p1510:revInfo>
 </file>
@@ -137,7 +136,7 @@
   <pc:docChgLst>
     <pc:chgData name="Kifayat Ur Rahman" userId="6189d9e9ba0e3bb0" providerId="LiveId" clId="{63C00F4D-CA35-4624-A957-38EBFA0763C3}"/>
     <pc:docChg chg="undo custSel addSld delSld modSld sldOrd">
-      <pc:chgData name="Kifayat Ur Rahman" userId="6189d9e9ba0e3bb0" providerId="LiveId" clId="{63C00F4D-CA35-4624-A957-38EBFA0763C3}" dt="2023-04-11T18:56:19.274" v="1358" actId="20577"/>
+      <pc:chgData name="Kifayat Ur Rahman" userId="6189d9e9ba0e3bb0" providerId="LiveId" clId="{63C00F4D-CA35-4624-A957-38EBFA0763C3}" dt="2023-04-14T03:19:36.333" v="1366" actId="1076"/>
       <pc:docMkLst>
         <pc:docMk/>
       </pc:docMkLst>
@@ -992,8 +991,8 @@
           </ac:spMkLst>
         </pc:spChg>
       </pc:sldChg>
-      <pc:sldChg chg="addSp delSp modSp mod">
-        <pc:chgData name="Kifayat Ur Rahman" userId="6189d9e9ba0e3bb0" providerId="LiveId" clId="{63C00F4D-CA35-4624-A957-38EBFA0763C3}" dt="2023-04-07T04:33:22.861" v="705" actId="14100"/>
+      <pc:sldChg chg="addSp delSp modSp del mod">
+        <pc:chgData name="Kifayat Ur Rahman" userId="6189d9e9ba0e3bb0" providerId="LiveId" clId="{63C00F4D-CA35-4624-A957-38EBFA0763C3}" dt="2023-04-14T03:19:31.472" v="1365" actId="47"/>
         <pc:sldMkLst>
           <pc:docMk/>
           <pc:sldMk cId="477855888" sldId="269"/>
@@ -1007,7 +1006,7 @@
           </ac:picMkLst>
         </pc:picChg>
         <pc:picChg chg="add mod">
-          <ac:chgData name="Kifayat Ur Rahman" userId="6189d9e9ba0e3bb0" providerId="LiveId" clId="{63C00F4D-CA35-4624-A957-38EBFA0763C3}" dt="2023-04-07T04:33:22.861" v="705" actId="14100"/>
+          <ac:chgData name="Kifayat Ur Rahman" userId="6189d9e9ba0e3bb0" providerId="LiveId" clId="{63C00F4D-CA35-4624-A957-38EBFA0763C3}" dt="2023-04-14T03:19:29.049" v="1364" actId="1076"/>
           <ac:picMkLst>
             <pc:docMk/>
             <pc:sldMk cId="477855888" sldId="269"/>
@@ -1015,18 +1014,82 @@
           </ac:picMkLst>
         </pc:picChg>
       </pc:sldChg>
-      <pc:sldChg chg="addSp modSp new mod ord">
-        <pc:chgData name="Kifayat Ur Rahman" userId="6189d9e9ba0e3bb0" providerId="LiveId" clId="{63C00F4D-CA35-4624-A957-38EBFA0763C3}" dt="2023-04-07T04:30:20.785" v="702" actId="1076"/>
+      <pc:sldChg chg="addSp delSp modSp new mod ord setBg">
+        <pc:chgData name="Kifayat Ur Rahman" userId="6189d9e9ba0e3bb0" providerId="LiveId" clId="{63C00F4D-CA35-4624-A957-38EBFA0763C3}" dt="2023-04-14T03:19:36.333" v="1366" actId="1076"/>
         <pc:sldMkLst>
           <pc:docMk/>
           <pc:sldMk cId="1403423414" sldId="270"/>
         </pc:sldMkLst>
-        <pc:picChg chg="add mod">
-          <ac:chgData name="Kifayat Ur Rahman" userId="6189d9e9ba0e3bb0" providerId="LiveId" clId="{63C00F4D-CA35-4624-A957-38EBFA0763C3}" dt="2023-04-07T04:30:20.785" v="702" actId="1076"/>
+        <pc:spChg chg="add">
+          <ac:chgData name="Kifayat Ur Rahman" userId="6189d9e9ba0e3bb0" providerId="LiveId" clId="{63C00F4D-CA35-4624-A957-38EBFA0763C3}" dt="2023-04-14T03:17:56.222" v="1363" actId="26606"/>
+          <ac:spMkLst>
+            <pc:docMk/>
+            <pc:sldMk cId="1403423414" sldId="270"/>
+            <ac:spMk id="11" creationId="{12CED8F1-A066-4193-A0C6-FA32AABA2BE0}"/>
+          </ac:spMkLst>
+        </pc:spChg>
+        <pc:spChg chg="add">
+          <ac:chgData name="Kifayat Ur Rahman" userId="6189d9e9ba0e3bb0" providerId="LiveId" clId="{63C00F4D-CA35-4624-A957-38EBFA0763C3}" dt="2023-04-14T03:17:56.222" v="1363" actId="26606"/>
+          <ac:spMkLst>
+            <pc:docMk/>
+            <pc:sldMk cId="1403423414" sldId="270"/>
+            <ac:spMk id="13" creationId="{6FC2AD83-6F23-413C-AD90-9F32AF8275B2}"/>
+          </ac:spMkLst>
+        </pc:spChg>
+        <pc:spChg chg="add">
+          <ac:chgData name="Kifayat Ur Rahman" userId="6189d9e9ba0e3bb0" providerId="LiveId" clId="{63C00F4D-CA35-4624-A957-38EBFA0763C3}" dt="2023-04-14T03:17:56.222" v="1363" actId="26606"/>
+          <ac:spMkLst>
+            <pc:docMk/>
+            <pc:sldMk cId="1403423414" sldId="270"/>
+            <ac:spMk id="15" creationId="{7367BE40-CEB0-42C0-A019-83612A9D1BDB}"/>
+          </ac:spMkLst>
+        </pc:spChg>
+        <pc:spChg chg="add">
+          <ac:chgData name="Kifayat Ur Rahman" userId="6189d9e9ba0e3bb0" providerId="LiveId" clId="{63C00F4D-CA35-4624-A957-38EBFA0763C3}" dt="2023-04-14T03:17:56.222" v="1363" actId="26606"/>
+          <ac:spMkLst>
+            <pc:docMk/>
+            <pc:sldMk cId="1403423414" sldId="270"/>
+            <ac:spMk id="17" creationId="{93A1CF79-E584-4525-AB80-C5E826445E2F}"/>
+          </ac:spMkLst>
+        </pc:spChg>
+        <pc:spChg chg="add">
+          <ac:chgData name="Kifayat Ur Rahman" userId="6189d9e9ba0e3bb0" providerId="LiveId" clId="{63C00F4D-CA35-4624-A957-38EBFA0763C3}" dt="2023-04-14T03:17:56.222" v="1363" actId="26606"/>
+          <ac:spMkLst>
+            <pc:docMk/>
+            <pc:sldMk cId="1403423414" sldId="270"/>
+            <ac:spMk id="19" creationId="{EDFF68DC-7619-4C0C-B291-0018372D27F1}"/>
+          </ac:spMkLst>
+        </pc:spChg>
+        <pc:spChg chg="add">
+          <ac:chgData name="Kifayat Ur Rahman" userId="6189d9e9ba0e3bb0" providerId="LiveId" clId="{63C00F4D-CA35-4624-A957-38EBFA0763C3}" dt="2023-04-14T03:17:56.222" v="1363" actId="26606"/>
+          <ac:spMkLst>
+            <pc:docMk/>
+            <pc:sldMk cId="1403423414" sldId="270"/>
+            <ac:spMk id="21" creationId="{5003435F-4995-49A0-9B3D-4955D2822A21}"/>
+          </ac:spMkLst>
+        </pc:spChg>
+        <pc:picChg chg="add del mod">
+          <ac:chgData name="Kifayat Ur Rahman" userId="6189d9e9ba0e3bb0" providerId="LiveId" clId="{63C00F4D-CA35-4624-A957-38EBFA0763C3}" dt="2023-04-14T03:11:38.407" v="1359" actId="478"/>
           <ac:picMkLst>
             <pc:docMk/>
             <pc:sldMk cId="1403423414" sldId="270"/>
             <ac:picMk id="3" creationId="{616F1AF6-2C78-EA4B-F622-776C3E4252E3}"/>
+          </ac:picMkLst>
+        </pc:picChg>
+        <pc:picChg chg="add mod">
+          <ac:chgData name="Kifayat Ur Rahman" userId="6189d9e9ba0e3bb0" providerId="LiveId" clId="{63C00F4D-CA35-4624-A957-38EBFA0763C3}" dt="2023-04-14T03:19:36.333" v="1366" actId="1076"/>
+          <ac:picMkLst>
+            <pc:docMk/>
+            <pc:sldMk cId="1403423414" sldId="270"/>
+            <ac:picMk id="4" creationId="{F9A88C71-4053-F13A-EEA3-DD30065B03CB}"/>
+          </ac:picMkLst>
+        </pc:picChg>
+        <pc:picChg chg="add">
+          <ac:chgData name="Kifayat Ur Rahman" userId="6189d9e9ba0e3bb0" providerId="LiveId" clId="{63C00F4D-CA35-4624-A957-38EBFA0763C3}" dt="2023-04-14T03:17:56.222" v="1363" actId="26606"/>
+          <ac:picMkLst>
+            <pc:docMk/>
+            <pc:sldMk cId="1403423414" sldId="270"/>
+            <ac:picMk id="9" creationId="{9F5E1885-4B77-4930-AF94-83DC34F5166C}"/>
           </ac:picMkLst>
         </pc:picChg>
       </pc:sldChg>
@@ -8303,7 +8366,7 @@
           <a:p>
             <a:fld id="{F7AFFB9B-9FB8-469E-96F9-4D32314110B6}" type="datetimeFigureOut">
               <a:rPr lang="en-US" smtClean="0"/>
-              <a:t>4/11/2023</a:t>
+              <a:t>4/14/2023</a:t>
             </a:fld>
             <a:endParaRPr lang="en-US" dirty="0"/>
           </a:p>
@@ -8636,7 +8699,7 @@
           <a:p>
             <a:fld id="{C35BB1C6-BF8F-4481-8AB2-603A1C8A906A}" type="datetimeFigureOut">
               <a:rPr lang="en-US" smtClean="0"/>
-              <a:t>4/11/2023</a:t>
+              <a:t>4/14/2023</a:t>
             </a:fld>
             <a:endParaRPr lang="en-US" dirty="0"/>
           </a:p>
@@ -8834,7 +8897,7 @@
           <a:p>
             <a:fld id="{C35BB1C6-BF8F-4481-8AB2-603A1C8A906A}" type="datetimeFigureOut">
               <a:rPr lang="en-US" smtClean="0"/>
-              <a:t>4/11/2023</a:t>
+              <a:t>4/14/2023</a:t>
             </a:fld>
             <a:endParaRPr lang="en-US" dirty="0"/>
           </a:p>
@@ -9106,7 +9169,7 @@
           <a:p>
             <a:fld id="{C35BB1C6-BF8F-4481-8AB2-603A1C8A906A}" type="datetimeFigureOut">
               <a:rPr lang="en-US" smtClean="0"/>
-              <a:t>4/11/2023</a:t>
+              <a:t>4/14/2023</a:t>
             </a:fld>
             <a:endParaRPr lang="en-US" dirty="0"/>
           </a:p>
@@ -9536,7 +9599,7 @@
           <a:p>
             <a:fld id="{C35BB1C6-BF8F-4481-8AB2-603A1C8A906A}" type="datetimeFigureOut">
               <a:rPr lang="en-US" smtClean="0"/>
-              <a:t>4/11/2023</a:t>
+              <a:t>4/14/2023</a:t>
             </a:fld>
             <a:endParaRPr lang="en-US" dirty="0"/>
           </a:p>
@@ -10088,7 +10151,7 @@
           <a:p>
             <a:fld id="{28FBA082-94DF-4C4B-A041-6624924AB0A8}" type="datetimeFigureOut">
               <a:rPr lang="en-US" smtClean="0"/>
-              <a:t>4/11/2023</a:t>
+              <a:t>4/14/2023</a:t>
             </a:fld>
             <a:endParaRPr lang="en-US" dirty="0"/>
           </a:p>
@@ -10878,7 +10941,7 @@
           <a:p>
             <a:fld id="{C35BB1C6-BF8F-4481-8AB2-603A1C8A906A}" type="datetimeFigureOut">
               <a:rPr lang="en-US" smtClean="0"/>
-              <a:t>4/11/2023</a:t>
+              <a:t>4/14/2023</a:t>
             </a:fld>
             <a:endParaRPr lang="en-US" dirty="0"/>
           </a:p>
@@ -11059,7 +11122,7 @@
           <a:p>
             <a:fld id="{C35BB1C6-BF8F-4481-8AB2-603A1C8A906A}" type="datetimeFigureOut">
               <a:rPr lang="en-US" smtClean="0"/>
-              <a:t>4/11/2023</a:t>
+              <a:t>4/14/2023</a:t>
             </a:fld>
             <a:endParaRPr lang="en-US" dirty="0"/>
           </a:p>
@@ -11245,7 +11308,7 @@
           <a:p>
             <a:fld id="{C35BB1C6-BF8F-4481-8AB2-603A1C8A906A}" type="datetimeFigureOut">
               <a:rPr lang="en-US" smtClean="0"/>
-              <a:t>4/11/2023</a:t>
+              <a:t>4/14/2023</a:t>
             </a:fld>
             <a:endParaRPr lang="en-US" dirty="0"/>
           </a:p>
@@ -11422,7 +11485,7 @@
           <a:p>
             <a:fld id="{C35BB1C6-BF8F-4481-8AB2-603A1C8A906A}" type="datetimeFigureOut">
               <a:rPr lang="en-US" smtClean="0"/>
-              <a:t>4/11/2023</a:t>
+              <a:t>4/14/2023</a:t>
             </a:fld>
             <a:endParaRPr lang="en-US" dirty="0"/>
           </a:p>
@@ -11674,7 +11737,7 @@
           <a:p>
             <a:fld id="{0F7F47CF-67C9-420C-80A5-E2069FF0C2DF}" type="datetimeFigureOut">
               <a:rPr lang="en-US" smtClean="0"/>
-              <a:t>4/11/2023</a:t>
+              <a:t>4/14/2023</a:t>
             </a:fld>
             <a:endParaRPr lang="en-US" dirty="0"/>
           </a:p>
@@ -11911,7 +11974,7 @@
           <a:p>
             <a:fld id="{C35BB1C6-BF8F-4481-8AB2-603A1C8A906A}" type="datetimeFigureOut">
               <a:rPr lang="en-US" smtClean="0"/>
-              <a:t>4/11/2023</a:t>
+              <a:t>4/14/2023</a:t>
             </a:fld>
             <a:endParaRPr lang="en-US" dirty="0"/>
           </a:p>
@@ -12298,7 +12361,7 @@
           <a:p>
             <a:fld id="{C35BB1C6-BF8F-4481-8AB2-603A1C8A906A}" type="datetimeFigureOut">
               <a:rPr lang="en-US" smtClean="0"/>
-              <a:t>4/11/2023</a:t>
+              <a:t>4/14/2023</a:t>
             </a:fld>
             <a:endParaRPr lang="en-US" dirty="0"/>
           </a:p>
@@ -12418,7 +12481,7 @@
           <a:p>
             <a:fld id="{097649AC-CB8F-4FF1-9A34-5861C74DD0A7}" type="datetimeFigureOut">
               <a:rPr lang="en-US" smtClean="0"/>
-              <a:t>4/11/2023</a:t>
+              <a:t>4/14/2023</a:t>
             </a:fld>
             <a:endParaRPr lang="en-US" dirty="0"/>
           </a:p>
@@ -12513,7 +12576,7 @@
           <a:p>
             <a:fld id="{3EC5CECA-2D3A-4680-9B49-752200DE467C}" type="datetimeFigureOut">
               <a:rPr lang="en-US" smtClean="0"/>
-              <a:t>4/11/2023</a:t>
+              <a:t>4/14/2023</a:t>
             </a:fld>
             <a:endParaRPr lang="en-US" dirty="0"/>
           </a:p>
@@ -12766,7 +12829,7 @@
           <a:p>
             <a:fld id="{C35BB1C6-BF8F-4481-8AB2-603A1C8A906A}" type="datetimeFigureOut">
               <a:rPr lang="en-US" smtClean="0"/>
-              <a:t>4/11/2023</a:t>
+              <a:t>4/14/2023</a:t>
             </a:fld>
             <a:endParaRPr lang="en-US" dirty="0"/>
           </a:p>
@@ -13037,7 +13100,7 @@
           <a:p>
             <a:fld id="{C35BB1C6-BF8F-4481-8AB2-603A1C8A906A}" type="datetimeFigureOut">
               <a:rPr lang="en-US" smtClean="0"/>
-              <a:t>4/11/2023</a:t>
+              <a:t>4/14/2023</a:t>
             </a:fld>
             <a:endParaRPr lang="en-US" dirty="0"/>
           </a:p>
@@ -13442,7 +13505,7 @@
           <a:p>
             <a:fld id="{C35BB1C6-BF8F-4481-8AB2-603A1C8A906A}" type="datetimeFigureOut">
               <a:rPr lang="en-US" smtClean="0"/>
-              <a:t>4/11/2023</a:t>
+              <a:t>4/14/2023</a:t>
             </a:fld>
             <a:endParaRPr lang="en-US" dirty="0"/>
           </a:p>
@@ -14635,6 +14698,27 @@
 <file path=ppt/slides/slide12.xml><?xml version="1.0" encoding="utf-8"?>
 <p:sld xmlns:a="http://schemas.openxmlformats.org/drawingml/2006/main" xmlns:r="http://schemas.openxmlformats.org/officeDocument/2006/relationships" xmlns:p="http://schemas.openxmlformats.org/presentationml/2006/main">
   <p:cSld>
+    <p:bg>
+      <p:bgPr>
+        <a:blipFill>
+          <a:blip r:embed="rId2">
+            <a:duotone>
+              <a:schemeClr val="bg1">
+                <a:shade val="48000"/>
+                <a:satMod val="110000"/>
+                <a:lumMod val="40000"/>
+              </a:schemeClr>
+              <a:schemeClr val="bg1">
+                <a:tint val="90000"/>
+                <a:lumMod val="106000"/>
+              </a:schemeClr>
+            </a:duotone>
+          </a:blip>
+          <a:stretch/>
+        </a:blipFill>
+        <a:effectLst/>
+      </p:bgPr>
+    </p:bg>
     <p:spTree>
       <p:nvGrpSpPr>
         <p:cNvPr id="1" name=""/>
@@ -14651,10 +14735,175 @@
       </p:grpSpPr>
       <p:pic>
         <p:nvPicPr>
-          <p:cNvPr id="3" name="Picture 2" descr="A picture containing text, indoor&#10;&#10;Description automatically generated">
+          <p:cNvPr id="9" name="Picture 8">
             <a:extLst>
               <a:ext uri="{FF2B5EF4-FFF2-40B4-BE49-F238E27FC236}">
-                <a16:creationId xmlns:a16="http://schemas.microsoft.com/office/drawing/2014/main" id="{616F1AF6-2C78-EA4B-F622-776C3E4252E3}"/>
+                <a16:creationId xmlns:a16="http://schemas.microsoft.com/office/drawing/2014/main" id="{9F5E1885-4B77-4930-AF94-83DC34F5166C}"/>
+              </a:ext>
+              <a:ext uri="{C183D7F6-B498-43B3-948B-1728B52AA6E4}">
+                <adec:decorative xmlns:adec="http://schemas.microsoft.com/office/drawing/2017/decorative" val="1"/>
+              </a:ext>
+            </a:extLst>
+          </p:cNvPr>
+          <p:cNvPicPr>
+            <a:picLocks noGrp="1" noRot="1" noChangeAspect="1" noMove="1" noResize="1" noEditPoints="1" noAdjustHandles="1" noChangeArrowheads="1" noChangeShapeType="1" noCrop="1"/>
+          </p:cNvPicPr>
+          <p:nvPr>
+            <p:extLst>
+              <p:ext uri="{386F3935-93C4-4BCD-93E2-E3B085C9AB24}">
+                <p16:designElem xmlns:p16="http://schemas.microsoft.com/office/powerpoint/2015/main" val="1"/>
+              </p:ext>
+            </p:extLst>
+          </p:nvPr>
+        </p:nvPicPr>
+        <p:blipFill>
+          <a:blip r:embed="rId3">
+            <a:extLst>
+              <a:ext uri="{28A0092B-C50C-407E-A947-70E740481C1C}">
+                <a14:useLocalDpi xmlns:a14="http://schemas.microsoft.com/office/drawing/2010/main" val="0"/>
+              </a:ext>
+            </a:extLst>
+          </a:blip>
+          <a:stretch>
+            <a:fillRect/>
+          </a:stretch>
+        </p:blipFill>
+        <p:spPr>
+          <a:xfrm>
+            <a:off x="0" y="0"/>
+            <a:ext cx="12192000" cy="6858000"/>
+          </a:xfrm>
+          <a:prstGeom prst="rect">
+            <a:avLst/>
+          </a:prstGeom>
+        </p:spPr>
+      </p:pic>
+      <p:sp useBgFill="1">
+        <p:nvSpPr>
+          <p:cNvPr id="11" name="Rectangle 10">
+            <a:extLst>
+              <a:ext uri="{FF2B5EF4-FFF2-40B4-BE49-F238E27FC236}">
+                <a16:creationId xmlns:a16="http://schemas.microsoft.com/office/drawing/2014/main" id="{12CED8F1-A066-4193-A0C6-FA32AABA2BE0}"/>
+              </a:ext>
+              <a:ext uri="{C183D7F6-B498-43B3-948B-1728B52AA6E4}">
+                <adec:decorative xmlns:adec="http://schemas.microsoft.com/office/drawing/2017/decorative" val="1"/>
+              </a:ext>
+            </a:extLst>
+          </p:cNvPr>
+          <p:cNvSpPr>
+            <a:spLocks noGrp="1" noRot="1" noChangeAspect="1" noMove="1" noResize="1" noEditPoints="1" noAdjustHandles="1" noChangeArrowheads="1" noChangeShapeType="1" noTextEdit="1"/>
+          </p:cNvSpPr>
+          <p:nvPr>
+            <p:extLst>
+              <p:ext uri="{386F3935-93C4-4BCD-93E2-E3B085C9AB24}">
+                <p16:designElem xmlns:p16="http://schemas.microsoft.com/office/powerpoint/2015/main" val="1"/>
+              </p:ext>
+            </p:extLst>
+          </p:nvPr>
+        </p:nvSpPr>
+        <p:spPr>
+          <a:xfrm>
+            <a:off x="1" y="0"/>
+            <a:ext cx="11979952" cy="6644081"/>
+          </a:xfrm>
+          <a:prstGeom prst="rect">
+            <a:avLst/>
+          </a:prstGeom>
+          <a:ln>
+            <a:noFill/>
+          </a:ln>
+          <a:effectLst>
+            <a:outerShdw blurRad="98425" dist="76200" dir="4380000" algn="tl" rotWithShape="0">
+              <a:srgbClr val="000000">
+                <a:alpha val="68000"/>
+              </a:srgbClr>
+            </a:outerShdw>
+          </a:effectLst>
+        </p:spPr>
+        <p:style>
+          <a:lnRef idx="1">
+            <a:schemeClr val="accent1"/>
+          </a:lnRef>
+          <a:fillRef idx="3">
+            <a:schemeClr val="accent1"/>
+          </a:fillRef>
+          <a:effectRef idx="2">
+            <a:schemeClr val="accent1"/>
+          </a:effectRef>
+          <a:fontRef idx="minor">
+            <a:schemeClr val="lt1"/>
+          </a:fontRef>
+        </p:style>
+      </p:sp>
+      <p:sp>
+        <p:nvSpPr>
+          <p:cNvPr id="13" name="Rectangle 12">
+            <a:extLst>
+              <a:ext uri="{FF2B5EF4-FFF2-40B4-BE49-F238E27FC236}">
+                <a16:creationId xmlns:a16="http://schemas.microsoft.com/office/drawing/2014/main" id="{6FC2AD83-6F23-413C-AD90-9F32AF8275B2}"/>
+              </a:ext>
+              <a:ext uri="{C183D7F6-B498-43B3-948B-1728B52AA6E4}">
+                <adec:decorative xmlns:adec="http://schemas.microsoft.com/office/drawing/2017/decorative" val="1"/>
+              </a:ext>
+            </a:extLst>
+          </p:cNvPr>
+          <p:cNvSpPr>
+            <a:spLocks noGrp="1" noRot="1" noChangeAspect="1" noMove="1" noResize="1" noEditPoints="1" noAdjustHandles="1" noChangeArrowheads="1" noChangeShapeType="1" noTextEdit="1"/>
+          </p:cNvSpPr>
+          <p:nvPr>
+            <p:extLst>
+              <p:ext uri="{386F3935-93C4-4BCD-93E2-E3B085C9AB24}">
+                <p16:designElem xmlns:p16="http://schemas.microsoft.com/office/powerpoint/2015/main" val="1"/>
+              </p:ext>
+            </p:extLst>
+          </p:nvPr>
+        </p:nvSpPr>
+        <p:spPr>
+          <a:xfrm>
+            <a:off x="-9528" y="6581"/>
+            <a:ext cx="11741281" cy="5600216"/>
+          </a:xfrm>
+          <a:prstGeom prst="rect">
+            <a:avLst/>
+          </a:prstGeom>
+          <a:solidFill>
+            <a:srgbClr val="FFFFFF"/>
+          </a:solidFill>
+          <a:ln>
+            <a:noFill/>
+          </a:ln>
+        </p:spPr>
+        <p:style>
+          <a:lnRef idx="2">
+            <a:schemeClr val="accent1">
+              <a:shade val="50000"/>
+            </a:schemeClr>
+          </a:lnRef>
+          <a:fillRef idx="1">
+            <a:schemeClr val="accent1"/>
+          </a:fillRef>
+          <a:effectRef idx="0">
+            <a:schemeClr val="accent1"/>
+          </a:effectRef>
+          <a:fontRef idx="minor">
+            <a:schemeClr val="lt1"/>
+          </a:fontRef>
+        </p:style>
+        <p:txBody>
+          <a:bodyPr rtlCol="0" anchor="ctr"/>
+          <a:lstStyle/>
+          <a:p>
+            <a:pPr algn="ctr"/>
+            <a:endParaRPr lang="en-US"/>
+          </a:p>
+        </p:txBody>
+      </p:sp>
+      <p:pic>
+        <p:nvPicPr>
+          <p:cNvPr id="4" name="Picture 3" descr="A picture containing text, scoreboard, screenshot, plaque&#10;&#10;Description automatically generated">
+            <a:extLst>
+              <a:ext uri="{FF2B5EF4-FFF2-40B4-BE49-F238E27FC236}">
+                <a16:creationId xmlns:a16="http://schemas.microsoft.com/office/drawing/2014/main" id="{F9A88C71-4053-F13A-EEA3-DD30065B03CB}"/>
               </a:ext>
             </a:extLst>
           </p:cNvPr>
@@ -14664,85 +14913,326 @@
           <p:nvPr/>
         </p:nvPicPr>
         <p:blipFill>
-          <a:blip r:embed="rId2"/>
+          <a:blip r:embed="rId4"/>
           <a:stretch>
             <a:fillRect/>
           </a:stretch>
         </p:blipFill>
         <p:spPr>
           <a:xfrm>
-            <a:off x="1275892" y="230224"/>
-            <a:ext cx="8639633" cy="5314778"/>
+            <a:off x="4212768" y="275080"/>
+            <a:ext cx="3300613" cy="4963329"/>
           </a:xfrm>
           <a:prstGeom prst="rect">
             <a:avLst/>
           </a:prstGeom>
         </p:spPr>
       </p:pic>
+      <p:sp>
+        <p:nvSpPr>
+          <p:cNvPr id="15" name="Rectangle 14">
+            <a:extLst>
+              <a:ext uri="{FF2B5EF4-FFF2-40B4-BE49-F238E27FC236}">
+                <a16:creationId xmlns:a16="http://schemas.microsoft.com/office/drawing/2014/main" id="{7367BE40-CEB0-42C0-A019-83612A9D1BDB}"/>
+              </a:ext>
+              <a:ext uri="{C183D7F6-B498-43B3-948B-1728B52AA6E4}">
+                <adec:decorative xmlns:adec="http://schemas.microsoft.com/office/drawing/2017/decorative" val="1"/>
+              </a:ext>
+            </a:extLst>
+          </p:cNvPr>
+          <p:cNvSpPr>
+            <a:spLocks noGrp="1" noRot="1" noChangeAspect="1" noMove="1" noResize="1" noEditPoints="1" noAdjustHandles="1" noChangeArrowheads="1" noChangeShapeType="1" noTextEdit="1"/>
+          </p:cNvSpPr>
+          <p:nvPr>
+            <p:extLst>
+              <p:ext uri="{386F3935-93C4-4BCD-93E2-E3B085C9AB24}">
+                <p16:designElem xmlns:p16="http://schemas.microsoft.com/office/powerpoint/2015/main" val="1"/>
+              </p:ext>
+            </p:extLst>
+          </p:nvPr>
+        </p:nvSpPr>
+        <p:spPr>
+          <a:xfrm rot="10800000">
+            <a:off x="-9527" y="6581"/>
+            <a:ext cx="5051254" cy="5600215"/>
+          </a:xfrm>
+          <a:prstGeom prst="rect">
+            <a:avLst/>
+          </a:prstGeom>
+          <a:gradFill flip="none" rotWithShape="1">
+            <a:gsLst>
+              <a:gs pos="0">
+                <a:schemeClr val="tx1">
+                  <a:alpha val="0"/>
+                </a:schemeClr>
+              </a:gs>
+              <a:gs pos="54900">
+                <a:srgbClr val="000000">
+                  <a:alpha val="10000"/>
+                </a:srgbClr>
+              </a:gs>
+              <a:gs pos="100000">
+                <a:schemeClr val="tx1">
+                  <a:alpha val="35000"/>
+                </a:schemeClr>
+              </a:gs>
+            </a:gsLst>
+            <a:lin ang="0" scaled="1"/>
+            <a:tileRect/>
+          </a:gradFill>
+          <a:ln>
+            <a:noFill/>
+          </a:ln>
+        </p:spPr>
+        <p:style>
+          <a:lnRef idx="2">
+            <a:schemeClr val="accent1">
+              <a:shade val="50000"/>
+            </a:schemeClr>
+          </a:lnRef>
+          <a:fillRef idx="1">
+            <a:schemeClr val="accent1"/>
+          </a:fillRef>
+          <a:effectRef idx="0">
+            <a:schemeClr val="accent1"/>
+          </a:effectRef>
+          <a:fontRef idx="minor">
+            <a:schemeClr val="lt1"/>
+          </a:fontRef>
+        </p:style>
+        <p:txBody>
+          <a:bodyPr rtlCol="0" anchor="ctr"/>
+          <a:lstStyle/>
+          <a:p>
+            <a:pPr algn="ctr"/>
+            <a:endParaRPr lang="en-US"/>
+          </a:p>
+        </p:txBody>
+      </p:sp>
+      <p:sp>
+        <p:nvSpPr>
+          <p:cNvPr id="17" name="Rectangle 16">
+            <a:extLst>
+              <a:ext uri="{FF2B5EF4-FFF2-40B4-BE49-F238E27FC236}">
+                <a16:creationId xmlns:a16="http://schemas.microsoft.com/office/drawing/2014/main" id="{93A1CF79-E584-4525-AB80-C5E826445E2F}"/>
+              </a:ext>
+              <a:ext uri="{C183D7F6-B498-43B3-948B-1728B52AA6E4}">
+                <adec:decorative xmlns:adec="http://schemas.microsoft.com/office/drawing/2017/decorative" val="1"/>
+              </a:ext>
+            </a:extLst>
+          </p:cNvPr>
+          <p:cNvSpPr>
+            <a:spLocks noGrp="1" noRot="1" noChangeAspect="1" noMove="1" noResize="1" noEditPoints="1" noAdjustHandles="1" noChangeArrowheads="1" noChangeShapeType="1" noTextEdit="1"/>
+          </p:cNvSpPr>
+          <p:nvPr>
+            <p:extLst>
+              <p:ext uri="{386F3935-93C4-4BCD-93E2-E3B085C9AB24}">
+                <p16:designElem xmlns:p16="http://schemas.microsoft.com/office/powerpoint/2015/main" val="1"/>
+              </p:ext>
+            </p:extLst>
+          </p:nvPr>
+        </p:nvSpPr>
+        <p:spPr>
+          <a:xfrm>
+            <a:off x="6680499" y="0"/>
+            <a:ext cx="5051254" cy="5600215"/>
+          </a:xfrm>
+          <a:prstGeom prst="rect">
+            <a:avLst/>
+          </a:prstGeom>
+          <a:gradFill flip="none" rotWithShape="1">
+            <a:gsLst>
+              <a:gs pos="0">
+                <a:schemeClr val="tx1">
+                  <a:alpha val="0"/>
+                </a:schemeClr>
+              </a:gs>
+              <a:gs pos="54900">
+                <a:srgbClr val="000000">
+                  <a:alpha val="10000"/>
+                </a:srgbClr>
+              </a:gs>
+              <a:gs pos="100000">
+                <a:schemeClr val="tx1">
+                  <a:alpha val="35000"/>
+                </a:schemeClr>
+              </a:gs>
+            </a:gsLst>
+            <a:lin ang="0" scaled="1"/>
+            <a:tileRect/>
+          </a:gradFill>
+          <a:ln>
+            <a:noFill/>
+          </a:ln>
+        </p:spPr>
+        <p:style>
+          <a:lnRef idx="2">
+            <a:schemeClr val="accent1">
+              <a:shade val="50000"/>
+            </a:schemeClr>
+          </a:lnRef>
+          <a:fillRef idx="1">
+            <a:schemeClr val="accent1"/>
+          </a:fillRef>
+          <a:effectRef idx="0">
+            <a:schemeClr val="accent1"/>
+          </a:effectRef>
+          <a:fontRef idx="minor">
+            <a:schemeClr val="lt1"/>
+          </a:fontRef>
+        </p:style>
+        <p:txBody>
+          <a:bodyPr rtlCol="0" anchor="ctr"/>
+          <a:lstStyle/>
+          <a:p>
+            <a:pPr algn="ctr"/>
+            <a:endParaRPr lang="en-US"/>
+          </a:p>
+        </p:txBody>
+      </p:sp>
+      <p:sp>
+        <p:nvSpPr>
+          <p:cNvPr id="19" name="Rectangle 18">
+            <a:extLst>
+              <a:ext uri="{FF2B5EF4-FFF2-40B4-BE49-F238E27FC236}">
+                <a16:creationId xmlns:a16="http://schemas.microsoft.com/office/drawing/2014/main" id="{EDFF68DC-7619-4C0C-B291-0018372D27F1}"/>
+              </a:ext>
+              <a:ext uri="{C183D7F6-B498-43B3-948B-1728B52AA6E4}">
+                <adec:decorative xmlns:adec="http://schemas.microsoft.com/office/drawing/2017/decorative" val="1"/>
+              </a:ext>
+            </a:extLst>
+          </p:cNvPr>
+          <p:cNvSpPr>
+            <a:spLocks noGrp="1" noRot="1" noChangeAspect="1" noMove="1" noResize="1" noEditPoints="1" noAdjustHandles="1" noChangeArrowheads="1" noChangeShapeType="1" noTextEdit="1"/>
+          </p:cNvSpPr>
+          <p:nvPr>
+            <p:extLst>
+              <p:ext uri="{386F3935-93C4-4BCD-93E2-E3B085C9AB24}">
+                <p16:designElem xmlns:p16="http://schemas.microsoft.com/office/powerpoint/2015/main" val="1"/>
+              </p:ext>
+            </p:extLst>
+          </p:nvPr>
+        </p:nvSpPr>
+        <p:spPr>
+          <a:xfrm>
+            <a:off x="1" y="5600215"/>
+            <a:ext cx="11731752" cy="780581"/>
+          </a:xfrm>
+          <a:prstGeom prst="rect">
+            <a:avLst/>
+          </a:prstGeom>
+          <a:gradFill flip="none" rotWithShape="1">
+            <a:gsLst>
+              <a:gs pos="34000">
+                <a:schemeClr val="accent1"/>
+              </a:gs>
+              <a:gs pos="100000">
+                <a:schemeClr val="accent1">
+                  <a:lumMod val="50000"/>
+                </a:schemeClr>
+              </a:gs>
+            </a:gsLst>
+            <a:path path="circle">
+              <a:fillToRect l="50000" t="50000" r="50000" b="50000"/>
+            </a:path>
+            <a:tileRect/>
+          </a:gradFill>
+          <a:ln>
+            <a:noFill/>
+          </a:ln>
+        </p:spPr>
+        <p:style>
+          <a:lnRef idx="1">
+            <a:schemeClr val="accent1"/>
+          </a:lnRef>
+          <a:fillRef idx="3">
+            <a:schemeClr val="accent1"/>
+          </a:fillRef>
+          <a:effectRef idx="2">
+            <a:schemeClr val="accent1"/>
+          </a:effectRef>
+          <a:fontRef idx="minor">
+            <a:schemeClr val="lt1"/>
+          </a:fontRef>
+        </p:style>
+      </p:sp>
+      <p:sp>
+        <p:nvSpPr>
+          <p:cNvPr id="21" name="Freeform 9">
+            <a:extLst>
+              <a:ext uri="{FF2B5EF4-FFF2-40B4-BE49-F238E27FC236}">
+                <a16:creationId xmlns:a16="http://schemas.microsoft.com/office/drawing/2014/main" id="{5003435F-4995-49A0-9B3D-4955D2822A21}"/>
+              </a:ext>
+              <a:ext uri="{C183D7F6-B498-43B3-948B-1728B52AA6E4}">
+                <adec:decorative xmlns:adec="http://schemas.microsoft.com/office/drawing/2017/decorative" val="1"/>
+              </a:ext>
+            </a:extLst>
+          </p:cNvPr>
+          <p:cNvSpPr>
+            <a:spLocks noGrp="1" noRot="1" noChangeAspect="1" noMove="1" noResize="1" noEditPoints="1" noAdjustHandles="1" noChangeArrowheads="1" noChangeShapeType="1" noTextEdit="1"/>
+          </p:cNvSpPr>
+          <p:nvPr>
+            <p:extLst>
+              <p:ext uri="{386F3935-93C4-4BCD-93E2-E3B085C9AB24}">
+                <p16:designElem xmlns:p16="http://schemas.microsoft.com/office/powerpoint/2015/main" val="1"/>
+              </p:ext>
+            </p:extLst>
+          </p:nvPr>
+        </p:nvSpPr>
+        <p:spPr>
+          <a:xfrm>
+            <a:off x="0" y="0"/>
+            <a:ext cx="11763766" cy="6419514"/>
+          </a:xfrm>
+          <a:custGeom>
+            <a:avLst/>
+            <a:gdLst/>
+            <a:ahLst/>
+            <a:cxnLst/>
+            <a:rect l="l" t="t" r="r" b="b"/>
+            <a:pathLst>
+              <a:path w="11773291" h="6419514">
+                <a:moveTo>
+                  <a:pt x="11750059" y="0"/>
+                </a:moveTo>
+                <a:lnTo>
+                  <a:pt x="11773291" y="6419514"/>
+                </a:lnTo>
+                <a:lnTo>
+                  <a:pt x="0" y="6411047"/>
+                </a:lnTo>
+              </a:path>
+            </a:pathLst>
+          </a:custGeom>
+          <a:ln w="82550">
+            <a:solidFill>
+              <a:schemeClr val="tx1">
+                <a:lumMod val="50000"/>
+                <a:lumOff val="50000"/>
+              </a:schemeClr>
+            </a:solidFill>
+            <a:miter lim="800000"/>
+          </a:ln>
+        </p:spPr>
+        <p:style>
+          <a:lnRef idx="2">
+            <a:schemeClr val="accent1"/>
+          </a:lnRef>
+          <a:fillRef idx="0">
+            <a:schemeClr val="accent1"/>
+          </a:fillRef>
+          <a:effectRef idx="1">
+            <a:schemeClr val="accent1"/>
+          </a:effectRef>
+          <a:fontRef idx="minor">
+            <a:schemeClr val="tx1"/>
+          </a:fontRef>
+        </p:style>
+      </p:sp>
     </p:spTree>
     <p:extLst>
       <p:ext uri="{BB962C8B-B14F-4D97-AF65-F5344CB8AC3E}">
         <p14:creationId xmlns:p14="http://schemas.microsoft.com/office/powerpoint/2010/main" val="1403423414"/>
-      </p:ext>
-    </p:extLst>
-  </p:cSld>
-  <p:clrMapOvr>
-    <a:masterClrMapping/>
-  </p:clrMapOvr>
-</p:sld>
-</file>
-
-<file path=ppt/slides/slide13.xml><?xml version="1.0" encoding="utf-8"?>
-<p:sld xmlns:a="http://schemas.openxmlformats.org/drawingml/2006/main" xmlns:r="http://schemas.openxmlformats.org/officeDocument/2006/relationships" xmlns:p="http://schemas.openxmlformats.org/presentationml/2006/main">
-  <p:cSld>
-    <p:spTree>
-      <p:nvGrpSpPr>
-        <p:cNvPr id="1" name=""/>
-        <p:cNvGrpSpPr/>
-        <p:nvPr/>
-      </p:nvGrpSpPr>
-      <p:grpSpPr>
-        <a:xfrm>
-          <a:off x="0" y="0"/>
-          <a:ext cx="0" cy="0"/>
-          <a:chOff x="0" y="0"/>
-          <a:chExt cx="0" cy="0"/>
-        </a:xfrm>
-      </p:grpSpPr>
-      <p:pic>
-        <p:nvPicPr>
-          <p:cNvPr id="4" name="Picture 3">
-            <a:extLst>
-              <a:ext uri="{FF2B5EF4-FFF2-40B4-BE49-F238E27FC236}">
-                <a16:creationId xmlns:a16="http://schemas.microsoft.com/office/drawing/2014/main" id="{FE3D4C3B-FF7F-C9BF-84E0-FA56095FD330}"/>
-              </a:ext>
-            </a:extLst>
-          </p:cNvPr>
-          <p:cNvPicPr>
-            <a:picLocks noChangeAspect="1"/>
-          </p:cNvPicPr>
-          <p:nvPr/>
-        </p:nvPicPr>
-        <p:blipFill>
-          <a:blip r:embed="rId2"/>
-          <a:stretch>
-            <a:fillRect/>
-          </a:stretch>
-        </p:blipFill>
-        <p:spPr>
-          <a:xfrm>
-            <a:off x="910148" y="111760"/>
-            <a:ext cx="10188823" cy="5448520"/>
-          </a:xfrm>
-          <a:prstGeom prst="rect">
-            <a:avLst/>
-          </a:prstGeom>
-        </p:spPr>
-      </p:pic>
-    </p:spTree>
-    <p:extLst>
-      <p:ext uri="{BB962C8B-B14F-4D97-AF65-F5344CB8AC3E}">
-        <p14:creationId xmlns:p14="http://schemas.microsoft.com/office/powerpoint/2010/main" val="477855888"/>
       </p:ext>
     </p:extLst>
   </p:cSld>
